--- a/Final Deliverables/Workflow of project.pptx
+++ b/Final Deliverables/Workflow of project.pptx
@@ -7,7 +7,6 @@
   <p:sldIdLst>
     <p:sldId id="256" r:id="rId2"/>
     <p:sldId id="257" r:id="rId3"/>
-    <p:sldId id="258" r:id="rId4"/>
   </p:sldIdLst>
   <p:sldSz cx="9144000" cy="6858000" type="screen4x3"/>
   <p:notesSz cx="6858000" cy="9144000"/>
@@ -290,7 +289,7 @@
           <a:p>
             <a:fld id="{841564B5-B379-457B-9A5A-6EC29283BEC0}" type="datetimeFigureOut">
               <a:rPr lang="en-US" smtClean="0"/>
-              <a:t>11/12/2014</a:t>
+              <a:t>12/6/2014</a:t>
             </a:fld>
             <a:endParaRPr lang="en-US"/>
           </a:p>
@@ -460,7 +459,7 @@
           <a:p>
             <a:fld id="{841564B5-B379-457B-9A5A-6EC29283BEC0}" type="datetimeFigureOut">
               <a:rPr lang="en-US" smtClean="0"/>
-              <a:t>11/12/2014</a:t>
+              <a:t>12/6/2014</a:t>
             </a:fld>
             <a:endParaRPr lang="en-US"/>
           </a:p>
@@ -640,7 +639,7 @@
           <a:p>
             <a:fld id="{841564B5-B379-457B-9A5A-6EC29283BEC0}" type="datetimeFigureOut">
               <a:rPr lang="en-US" smtClean="0"/>
-              <a:t>11/12/2014</a:t>
+              <a:t>12/6/2014</a:t>
             </a:fld>
             <a:endParaRPr lang="en-US"/>
           </a:p>
@@ -810,7 +809,7 @@
           <a:p>
             <a:fld id="{841564B5-B379-457B-9A5A-6EC29283BEC0}" type="datetimeFigureOut">
               <a:rPr lang="en-US" smtClean="0"/>
-              <a:t>11/12/2014</a:t>
+              <a:t>12/6/2014</a:t>
             </a:fld>
             <a:endParaRPr lang="en-US"/>
           </a:p>
@@ -1056,7 +1055,7 @@
           <a:p>
             <a:fld id="{841564B5-B379-457B-9A5A-6EC29283BEC0}" type="datetimeFigureOut">
               <a:rPr lang="en-US" smtClean="0"/>
-              <a:t>11/12/2014</a:t>
+              <a:t>12/6/2014</a:t>
             </a:fld>
             <a:endParaRPr lang="en-US"/>
           </a:p>
@@ -1344,7 +1343,7 @@
           <a:p>
             <a:fld id="{841564B5-B379-457B-9A5A-6EC29283BEC0}" type="datetimeFigureOut">
               <a:rPr lang="en-US" smtClean="0"/>
-              <a:t>11/12/2014</a:t>
+              <a:t>12/6/2014</a:t>
             </a:fld>
             <a:endParaRPr lang="en-US"/>
           </a:p>
@@ -1766,7 +1765,7 @@
           <a:p>
             <a:fld id="{841564B5-B379-457B-9A5A-6EC29283BEC0}" type="datetimeFigureOut">
               <a:rPr lang="en-US" smtClean="0"/>
-              <a:t>11/12/2014</a:t>
+              <a:t>12/6/2014</a:t>
             </a:fld>
             <a:endParaRPr lang="en-US"/>
           </a:p>
@@ -1884,7 +1883,7 @@
           <a:p>
             <a:fld id="{841564B5-B379-457B-9A5A-6EC29283BEC0}" type="datetimeFigureOut">
               <a:rPr lang="en-US" smtClean="0"/>
-              <a:t>11/12/2014</a:t>
+              <a:t>12/6/2014</a:t>
             </a:fld>
             <a:endParaRPr lang="en-US"/>
           </a:p>
@@ -1979,7 +1978,7 @@
           <a:p>
             <a:fld id="{841564B5-B379-457B-9A5A-6EC29283BEC0}" type="datetimeFigureOut">
               <a:rPr lang="en-US" smtClean="0"/>
-              <a:t>11/12/2014</a:t>
+              <a:t>12/6/2014</a:t>
             </a:fld>
             <a:endParaRPr lang="en-US"/>
           </a:p>
@@ -2256,7 +2255,7 @@
           <a:p>
             <a:fld id="{841564B5-B379-457B-9A5A-6EC29283BEC0}" type="datetimeFigureOut">
               <a:rPr lang="en-US" smtClean="0"/>
-              <a:t>11/12/2014</a:t>
+              <a:t>12/6/2014</a:t>
             </a:fld>
             <a:endParaRPr lang="en-US"/>
           </a:p>
@@ -2509,7 +2508,7 @@
           <a:p>
             <a:fld id="{841564B5-B379-457B-9A5A-6EC29283BEC0}" type="datetimeFigureOut">
               <a:rPr lang="en-US" smtClean="0"/>
-              <a:t>11/12/2014</a:t>
+              <a:t>12/6/2014</a:t>
             </a:fld>
             <a:endParaRPr lang="en-US"/>
           </a:p>
@@ -2722,7 +2721,7 @@
           <a:p>
             <a:fld id="{841564B5-B379-457B-9A5A-6EC29283BEC0}" type="datetimeFigureOut">
               <a:rPr lang="en-US" smtClean="0"/>
-              <a:t>11/12/2014</a:t>
+              <a:t>12/6/2014</a:t>
             </a:fld>
             <a:endParaRPr lang="en-US"/>
           </a:p>
@@ -3105,7 +3104,7 @@
         </p:nvSpPr>
         <p:spPr>
           <a:xfrm>
-            <a:off x="3509799" y="1638300"/>
+            <a:off x="3509799" y="1132115"/>
             <a:ext cx="1828800" cy="533400"/>
           </a:xfrm>
           <a:prstGeom prst="rect">
@@ -3135,7 +3134,7 @@
             <a:pPr algn="ctr"/>
             <a:r>
               <a:rPr lang="en-US" dirty="0" smtClean="0"/>
-              <a:t>UI</a:t>
+              <a:t>GUI XML File</a:t>
             </a:r>
             <a:endParaRPr lang="en-US" dirty="0"/>
           </a:p>
@@ -3149,7 +3148,7 @@
         </p:nvSpPr>
         <p:spPr>
           <a:xfrm>
-            <a:off x="3966999" y="2933700"/>
+            <a:off x="3966999" y="2299607"/>
             <a:ext cx="914400" cy="685800"/>
           </a:xfrm>
           <a:prstGeom prst="rect">
@@ -3193,12 +3192,20 @@
         </p:nvSpPr>
         <p:spPr>
           <a:xfrm>
-            <a:off x="3752006" y="4512129"/>
+            <a:off x="3752005" y="5852051"/>
             <a:ext cx="1344386" cy="914400"/>
           </a:xfrm>
           <a:prstGeom prst="ellipse">
             <a:avLst/>
           </a:prstGeom>
+          <a:solidFill>
+            <a:srgbClr val="FF0000"/>
+          </a:solidFill>
+          <a:ln>
+            <a:solidFill>
+              <a:srgbClr val="FF0000"/>
+            </a:solidFill>
+          </a:ln>
         </p:spPr>
         <p:style>
           <a:lnRef idx="2">
@@ -3233,20 +3240,23 @@
         <p:nvCxnSpPr>
           <p:cNvPr id="13" name="Straight Arrow Connector 12"/>
           <p:cNvCxnSpPr>
-            <a:stCxn id="5" idx="2"/>
-            <a:endCxn id="7" idx="0"/>
+            <a:stCxn id="60" idx="2"/>
+            <a:endCxn id="14" idx="0"/>
           </p:cNvCxnSpPr>
           <p:nvPr/>
         </p:nvCxnSpPr>
         <p:spPr>
           <a:xfrm>
-            <a:off x="4424199" y="3619500"/>
-            <a:ext cx="0" cy="892629"/>
+            <a:off x="4424199" y="3788229"/>
+            <a:ext cx="0" cy="926068"/>
           </a:xfrm>
           <a:prstGeom prst="straightConnector1">
             <a:avLst/>
           </a:prstGeom>
           <a:ln>
+            <a:solidFill>
+              <a:srgbClr val="FF0000"/>
+            </a:solidFill>
             <a:tailEnd type="arrow"/>
           </a:ln>
         </p:spPr>
@@ -3269,20 +3279,23 @@
         <p:nvCxnSpPr>
           <p:cNvPr id="15" name="Straight Arrow Connector 14"/>
           <p:cNvCxnSpPr>
-            <a:stCxn id="5" idx="2"/>
-            <a:endCxn id="27" idx="1"/>
+            <a:stCxn id="60" idx="3"/>
+            <a:endCxn id="25" idx="0"/>
           </p:cNvCxnSpPr>
           <p:nvPr/>
         </p:nvCxnSpPr>
         <p:spPr>
           <a:xfrm>
-            <a:off x="4424199" y="3619500"/>
-            <a:ext cx="1146660" cy="1026540"/>
+            <a:off x="4479980" y="3750129"/>
+            <a:ext cx="2285799" cy="942202"/>
           </a:xfrm>
           <a:prstGeom prst="straightConnector1">
             <a:avLst/>
           </a:prstGeom>
           <a:ln>
+            <a:solidFill>
+              <a:srgbClr val="C00000"/>
+            </a:solidFill>
             <a:tailEnd type="arrow"/>
           </a:ln>
         </p:spPr>
@@ -3305,20 +3318,23 @@
         <p:nvCxnSpPr>
           <p:cNvPr id="19" name="Straight Arrow Connector 18"/>
           <p:cNvCxnSpPr>
-            <a:stCxn id="5" idx="2"/>
-            <a:endCxn id="28" idx="7"/>
+            <a:stCxn id="60" idx="1"/>
+            <a:endCxn id="29" idx="0"/>
           </p:cNvCxnSpPr>
           <p:nvPr/>
         </p:nvCxnSpPr>
         <p:spPr>
           <a:xfrm flipH="1">
-            <a:off x="3126969" y="3619500"/>
-            <a:ext cx="1297230" cy="1026540"/>
+            <a:off x="2049236" y="3750129"/>
+            <a:ext cx="2319181" cy="942202"/>
           </a:xfrm>
           <a:prstGeom prst="straightConnector1">
             <a:avLst/>
           </a:prstGeom>
           <a:ln>
+            <a:solidFill>
+              <a:srgbClr val="00B050"/>
+            </a:solidFill>
             <a:tailEnd type="arrow"/>
           </a:ln>
         </p:spPr>
@@ -3348,8 +3364,8 @@
         </p:nvCxnSpPr>
         <p:spPr>
           <a:xfrm>
-            <a:off x="4424199" y="2171700"/>
-            <a:ext cx="0" cy="762000"/>
+            <a:off x="4424199" y="1665515"/>
+            <a:ext cx="0" cy="634092"/>
           </a:xfrm>
           <a:prstGeom prst="straightConnector1">
             <a:avLst/>
@@ -3381,12 +3397,20 @@
         </p:nvSpPr>
         <p:spPr>
           <a:xfrm>
-            <a:off x="5373978" y="4512129"/>
+            <a:off x="6093586" y="5835331"/>
             <a:ext cx="1344386" cy="914400"/>
           </a:xfrm>
           <a:prstGeom prst="ellipse">
             <a:avLst/>
           </a:prstGeom>
+          <a:solidFill>
+            <a:srgbClr val="C00000"/>
+          </a:solidFill>
+          <a:ln>
+            <a:solidFill>
+              <a:srgbClr val="C00000"/>
+            </a:solidFill>
+          </a:ln>
         </p:spPr>
         <p:style>
           <a:lnRef idx="2">
@@ -3410,10 +3434,18 @@
           <a:p>
             <a:pPr algn="ctr"/>
             <a:r>
-              <a:rPr lang="en-US" dirty="0" smtClean="0"/>
+              <a:rPr lang="en-US" dirty="0" smtClean="0">
+                <a:solidFill>
+                  <a:schemeClr val="bg1"/>
+                </a:solidFill>
+              </a:rPr>
               <a:t>Loader</a:t>
             </a:r>
-            <a:endParaRPr lang="en-US" dirty="0"/>
+            <a:endParaRPr lang="en-US" dirty="0">
+              <a:solidFill>
+                <a:schemeClr val="bg1"/>
+              </a:solidFill>
+            </a:endParaRPr>
           </a:p>
         </p:txBody>
       </p:sp>
@@ -3425,12 +3457,20 @@
         </p:nvSpPr>
         <p:spPr>
           <a:xfrm>
-            <a:off x="1979464" y="4512129"/>
+            <a:off x="1377043" y="5835331"/>
             <a:ext cx="1344386" cy="914400"/>
           </a:xfrm>
           <a:prstGeom prst="ellipse">
             <a:avLst/>
           </a:prstGeom>
+          <a:solidFill>
+            <a:srgbClr val="00B050"/>
+          </a:solidFill>
+          <a:ln>
+            <a:solidFill>
+              <a:srgbClr val="00B050"/>
+            </a:solidFill>
+          </a:ln>
         </p:spPr>
         <p:style>
           <a:lnRef idx="2">
@@ -3463,14 +3503,14 @@
       </p:sp>
       <p:sp>
         <p:nvSpPr>
-          <p:cNvPr id="31" name="TextBox 30"/>
+          <p:cNvPr id="32" name="TextBox 31"/>
           <p:cNvSpPr txBox="1"/>
           <p:nvPr/>
         </p:nvSpPr>
         <p:spPr>
           <a:xfrm>
-            <a:off x="5096392" y="3886200"/>
-            <a:ext cx="1146724" cy="369332"/>
+            <a:off x="1847716" y="1698173"/>
+            <a:ext cx="1846916" cy="646331"/>
           </a:xfrm>
           <a:prstGeom prst="rect">
             <a:avLst/>
@@ -3485,7 +3525,13 @@
           <a:p>
             <a:r>
               <a:rPr lang="en-US" dirty="0" smtClean="0"/>
-              <a:t>Generates</a:t>
+              <a:t>Parse GUI</a:t>
+            </a:r>
+          </a:p>
+          <a:p>
+            <a:r>
+              <a:rPr lang="en-US" dirty="0" smtClean="0"/>
+              <a:t>Create dictionary</a:t>
             </a:r>
             <a:endParaRPr lang="en-US" dirty="0"/>
           </a:p>
@@ -3493,14 +3539,14 @@
       </p:sp>
       <p:sp>
         <p:nvSpPr>
-          <p:cNvPr id="32" name="TextBox 31"/>
+          <p:cNvPr id="33" name="TextBox 32"/>
           <p:cNvSpPr txBox="1"/>
           <p:nvPr/>
         </p:nvSpPr>
         <p:spPr>
           <a:xfrm>
-            <a:off x="4881399" y="2362200"/>
-            <a:ext cx="1094274" cy="369332"/>
+            <a:off x="533400" y="315686"/>
+            <a:ext cx="8004724" cy="584775"/>
           </a:xfrm>
           <a:prstGeom prst="rect">
             <a:avLst/>
@@ -3508,14 +3554,179 @@
           <a:noFill/>
         </p:spPr>
         <p:txBody>
-          <a:bodyPr wrap="none" rtlCol="0">
+          <a:bodyPr wrap="square" rtlCol="0">
             <a:spAutoFit/>
           </a:bodyPr>
           <a:lstStyle/>
           <a:p>
-            <a:r>
-              <a:rPr lang="en-US" dirty="0" smtClean="0"/>
-              <a:t>Parse GUI</a:t>
+            <a:pPr algn="ctr"/>
+            <a:r>
+              <a:rPr lang="en-US" sz="3200" u="sng" dirty="0" smtClean="0"/>
+              <a:t>Workflow 1: Parameter-Generating Workflow</a:t>
+            </a:r>
+            <a:endParaRPr lang="en-US" sz="3200" u="sng" dirty="0"/>
+          </a:p>
+        </p:txBody>
+      </p:sp>
+      <p:sp>
+        <p:nvSpPr>
+          <p:cNvPr id="14" name="Rectangle 13"/>
+          <p:cNvSpPr/>
+          <p:nvPr/>
+        </p:nvSpPr>
+        <p:spPr>
+          <a:xfrm>
+            <a:off x="3966999" y="4714297"/>
+            <a:ext cx="914400" cy="685800"/>
+          </a:xfrm>
+          <a:prstGeom prst="rect">
+            <a:avLst/>
+          </a:prstGeom>
+          <a:solidFill>
+            <a:srgbClr val="FF0000"/>
+          </a:solidFill>
+          <a:ln>
+            <a:solidFill>
+              <a:srgbClr val="FF0000"/>
+            </a:solidFill>
+          </a:ln>
+        </p:spPr>
+        <p:style>
+          <a:lnRef idx="2">
+            <a:schemeClr val="accent1">
+              <a:shade val="50000"/>
+            </a:schemeClr>
+          </a:lnRef>
+          <a:fillRef idx="1">
+            <a:schemeClr val="accent1"/>
+          </a:fillRef>
+          <a:effectRef idx="0">
+            <a:schemeClr val="accent1"/>
+          </a:effectRef>
+          <a:fontRef idx="minor">
+            <a:schemeClr val="lt1"/>
+          </a:fontRef>
+        </p:style>
+        <p:txBody>
+          <a:bodyPr rtlCol="0" anchor="ctr"/>
+          <a:lstStyle/>
+          <a:p>
+            <a:pPr algn="ctr"/>
+            <a:r>
+              <a:rPr lang="en-US" dirty="0" err="1" smtClean="0"/>
+              <a:t>MGen</a:t>
+            </a:r>
+            <a:endParaRPr lang="en-US" dirty="0" smtClean="0"/>
+          </a:p>
+        </p:txBody>
+      </p:sp>
+      <p:sp>
+        <p:nvSpPr>
+          <p:cNvPr id="25" name="Rectangle 24"/>
+          <p:cNvSpPr/>
+          <p:nvPr/>
+        </p:nvSpPr>
+        <p:spPr>
+          <a:xfrm>
+            <a:off x="6308579" y="4692331"/>
+            <a:ext cx="914400" cy="685800"/>
+          </a:xfrm>
+          <a:prstGeom prst="rect">
+            <a:avLst/>
+          </a:prstGeom>
+          <a:solidFill>
+            <a:srgbClr val="C00000"/>
+          </a:solidFill>
+          <a:ln>
+            <a:solidFill>
+              <a:srgbClr val="C00000"/>
+            </a:solidFill>
+          </a:ln>
+        </p:spPr>
+        <p:style>
+          <a:lnRef idx="2">
+            <a:schemeClr val="accent1">
+              <a:shade val="50000"/>
+            </a:schemeClr>
+          </a:lnRef>
+          <a:fillRef idx="1">
+            <a:schemeClr val="accent1"/>
+          </a:fillRef>
+          <a:effectRef idx="0">
+            <a:schemeClr val="accent1"/>
+          </a:effectRef>
+          <a:fontRef idx="minor">
+            <a:schemeClr val="lt1"/>
+          </a:fontRef>
+        </p:style>
+        <p:txBody>
+          <a:bodyPr rtlCol="0" anchor="ctr"/>
+          <a:lstStyle/>
+          <a:p>
+            <a:pPr algn="ctr"/>
+            <a:r>
+              <a:rPr lang="en-US" dirty="0" err="1" smtClean="0">
+                <a:solidFill>
+                  <a:schemeClr val="bg1"/>
+                </a:solidFill>
+              </a:rPr>
+              <a:t>LGen</a:t>
+            </a:r>
+            <a:endParaRPr lang="en-US" dirty="0">
+              <a:solidFill>
+                <a:schemeClr val="bg1"/>
+              </a:solidFill>
+            </a:endParaRPr>
+          </a:p>
+        </p:txBody>
+      </p:sp>
+      <p:sp>
+        <p:nvSpPr>
+          <p:cNvPr id="29" name="Rectangle 28"/>
+          <p:cNvSpPr/>
+          <p:nvPr/>
+        </p:nvSpPr>
+        <p:spPr>
+          <a:xfrm>
+            <a:off x="1592036" y="4692331"/>
+            <a:ext cx="914400" cy="685800"/>
+          </a:xfrm>
+          <a:prstGeom prst="rect">
+            <a:avLst/>
+          </a:prstGeom>
+          <a:solidFill>
+            <a:srgbClr val="00B050"/>
+          </a:solidFill>
+          <a:ln>
+            <a:solidFill>
+              <a:srgbClr val="00B050"/>
+            </a:solidFill>
+          </a:ln>
+        </p:spPr>
+        <p:style>
+          <a:lnRef idx="2">
+            <a:schemeClr val="accent1">
+              <a:shade val="50000"/>
+            </a:schemeClr>
+          </a:lnRef>
+          <a:fillRef idx="1">
+            <a:schemeClr val="accent1"/>
+          </a:fillRef>
+          <a:effectRef idx="0">
+            <a:schemeClr val="accent1"/>
+          </a:effectRef>
+          <a:fontRef idx="minor">
+            <a:schemeClr val="lt1"/>
+          </a:fontRef>
+        </p:style>
+        <p:txBody>
+          <a:bodyPr rtlCol="0" anchor="ctr"/>
+          <a:lstStyle/>
+          <a:p>
+            <a:pPr algn="ctr"/>
+            <a:r>
+              <a:rPr lang="en-US" dirty="0" err="1" smtClean="0"/>
+              <a:t>SGen</a:t>
             </a:r>
             <a:endParaRPr lang="en-US" dirty="0"/>
           </a:p>
@@ -3523,14 +3734,14 @@
       </p:sp>
       <p:sp>
         <p:nvSpPr>
-          <p:cNvPr id="33" name="TextBox 32"/>
+          <p:cNvPr id="35" name="TextBox 34"/>
           <p:cNvSpPr txBox="1"/>
           <p:nvPr/>
         </p:nvSpPr>
         <p:spPr>
           <a:xfrm>
-            <a:off x="3277539" y="304800"/>
-            <a:ext cx="2481391" cy="646331"/>
+            <a:off x="4543926" y="3164052"/>
+            <a:ext cx="3153748" cy="369332"/>
           </a:xfrm>
           <a:prstGeom prst="rect">
             <a:avLst/>
@@ -3538,16 +3749,211 @@
           <a:noFill/>
         </p:spPr>
         <p:txBody>
-          <a:bodyPr wrap="square" rtlCol="0">
+          <a:bodyPr wrap="none" rtlCol="0">
             <a:spAutoFit/>
           </a:bodyPr>
           <a:lstStyle/>
           <a:p>
             <a:r>
-              <a:rPr lang="en-US" sz="3600" u="sng" dirty="0" smtClean="0"/>
-              <a:t>Workflow 1</a:t>
-            </a:r>
-            <a:endParaRPr lang="en-US" sz="3600" u="sng" dirty="0"/>
+              <a:rPr lang="en-US" dirty="0" smtClean="0"/>
+              <a:t>Pass dictionary to generate files</a:t>
+            </a:r>
+          </a:p>
+        </p:txBody>
+      </p:sp>
+      <p:cxnSp>
+        <p:nvCxnSpPr>
+          <p:cNvPr id="36" name="Straight Arrow Connector 35"/>
+          <p:cNvCxnSpPr>
+            <a:stCxn id="29" idx="2"/>
+            <a:endCxn id="28" idx="0"/>
+          </p:cNvCxnSpPr>
+          <p:nvPr/>
+        </p:nvCxnSpPr>
+        <p:spPr>
+          <a:xfrm>
+            <a:off x="2049236" y="5378131"/>
+            <a:ext cx="0" cy="457200"/>
+          </a:xfrm>
+          <a:prstGeom prst="straightConnector1">
+            <a:avLst/>
+          </a:prstGeom>
+          <a:ln>
+            <a:solidFill>
+              <a:srgbClr val="00B050"/>
+            </a:solidFill>
+            <a:tailEnd type="arrow"/>
+          </a:ln>
+        </p:spPr>
+        <p:style>
+          <a:lnRef idx="1">
+            <a:schemeClr val="accent1"/>
+          </a:lnRef>
+          <a:fillRef idx="0">
+            <a:schemeClr val="accent1"/>
+          </a:fillRef>
+          <a:effectRef idx="0">
+            <a:schemeClr val="accent1"/>
+          </a:effectRef>
+          <a:fontRef idx="minor">
+            <a:schemeClr val="tx1"/>
+          </a:fontRef>
+        </p:style>
+      </p:cxnSp>
+      <p:cxnSp>
+        <p:nvCxnSpPr>
+          <p:cNvPr id="38" name="Straight Arrow Connector 37"/>
+          <p:cNvCxnSpPr>
+            <a:stCxn id="14" idx="2"/>
+            <a:endCxn id="7" idx="0"/>
+          </p:cNvCxnSpPr>
+          <p:nvPr/>
+        </p:nvCxnSpPr>
+        <p:spPr>
+          <a:xfrm flipH="1">
+            <a:off x="4424198" y="5400097"/>
+            <a:ext cx="1" cy="451954"/>
+          </a:xfrm>
+          <a:prstGeom prst="straightConnector1">
+            <a:avLst/>
+          </a:prstGeom>
+          <a:ln>
+            <a:solidFill>
+              <a:srgbClr val="FF0000"/>
+            </a:solidFill>
+            <a:tailEnd type="arrow"/>
+          </a:ln>
+        </p:spPr>
+        <p:style>
+          <a:lnRef idx="1">
+            <a:schemeClr val="accent1"/>
+          </a:lnRef>
+          <a:fillRef idx="0">
+            <a:schemeClr val="accent1"/>
+          </a:fillRef>
+          <a:effectRef idx="0">
+            <a:schemeClr val="accent1"/>
+          </a:effectRef>
+          <a:fontRef idx="minor">
+            <a:schemeClr val="tx1"/>
+          </a:fontRef>
+        </p:style>
+      </p:cxnSp>
+      <p:cxnSp>
+        <p:nvCxnSpPr>
+          <p:cNvPr id="40" name="Straight Arrow Connector 39"/>
+          <p:cNvCxnSpPr>
+            <a:stCxn id="25" idx="2"/>
+            <a:endCxn id="27" idx="0"/>
+          </p:cNvCxnSpPr>
+          <p:nvPr/>
+        </p:nvCxnSpPr>
+        <p:spPr>
+          <a:xfrm>
+            <a:off x="6765779" y="5378131"/>
+            <a:ext cx="0" cy="457200"/>
+          </a:xfrm>
+          <a:prstGeom prst="straightConnector1">
+            <a:avLst/>
+          </a:prstGeom>
+          <a:ln>
+            <a:solidFill>
+              <a:srgbClr val="C00000"/>
+            </a:solidFill>
+            <a:tailEnd type="arrow"/>
+          </a:ln>
+        </p:spPr>
+        <p:style>
+          <a:lnRef idx="1">
+            <a:schemeClr val="accent1"/>
+          </a:lnRef>
+          <a:fillRef idx="0">
+            <a:schemeClr val="accent1"/>
+          </a:fillRef>
+          <a:effectRef idx="0">
+            <a:schemeClr val="accent1"/>
+          </a:effectRef>
+          <a:fontRef idx="minor">
+            <a:schemeClr val="tx1"/>
+          </a:fontRef>
+        </p:style>
+      </p:cxnSp>
+      <p:cxnSp>
+        <p:nvCxnSpPr>
+          <p:cNvPr id="57" name="Straight Arrow Connector 56"/>
+          <p:cNvCxnSpPr>
+            <a:stCxn id="5" idx="2"/>
+            <a:endCxn id="60" idx="0"/>
+          </p:cNvCxnSpPr>
+          <p:nvPr/>
+        </p:nvCxnSpPr>
+        <p:spPr>
+          <a:xfrm>
+            <a:off x="4424199" y="2985407"/>
+            <a:ext cx="0" cy="726622"/>
+          </a:xfrm>
+          <a:prstGeom prst="straightConnector1">
+            <a:avLst/>
+          </a:prstGeom>
+          <a:ln>
+            <a:tailEnd type="arrow"/>
+          </a:ln>
+        </p:spPr>
+        <p:style>
+          <a:lnRef idx="1">
+            <a:schemeClr val="accent1"/>
+          </a:lnRef>
+          <a:fillRef idx="0">
+            <a:schemeClr val="accent1"/>
+          </a:fillRef>
+          <a:effectRef idx="0">
+            <a:schemeClr val="accent1"/>
+          </a:effectRef>
+          <a:fontRef idx="minor">
+            <a:schemeClr val="tx1"/>
+          </a:fontRef>
+        </p:style>
+      </p:cxnSp>
+      <p:sp>
+        <p:nvSpPr>
+          <p:cNvPr id="60" name="Rectangle 59"/>
+          <p:cNvSpPr/>
+          <p:nvPr/>
+        </p:nvSpPr>
+        <p:spPr>
+          <a:xfrm>
+            <a:off x="4368417" y="3712029"/>
+            <a:ext cx="111563" cy="76200"/>
+          </a:xfrm>
+          <a:prstGeom prst="rect">
+            <a:avLst/>
+          </a:prstGeom>
+          <a:solidFill>
+            <a:schemeClr val="tx1"/>
+          </a:solidFill>
+        </p:spPr>
+        <p:style>
+          <a:lnRef idx="2">
+            <a:schemeClr val="accent1">
+              <a:shade val="50000"/>
+            </a:schemeClr>
+          </a:lnRef>
+          <a:fillRef idx="1">
+            <a:schemeClr val="accent1"/>
+          </a:fillRef>
+          <a:effectRef idx="0">
+            <a:schemeClr val="accent1"/>
+          </a:effectRef>
+          <a:fontRef idx="minor">
+            <a:schemeClr val="lt1"/>
+          </a:fontRef>
+        </p:style>
+        <p:txBody>
+          <a:bodyPr rtlCol="0" anchor="ctr"/>
+          <a:lstStyle/>
+          <a:p>
+            <a:pPr algn="ctr"/>
+            <a:endParaRPr lang="en-US"/>
           </a:p>
         </p:txBody>
       </p:sp>
@@ -3589,7 +3995,7 @@
         </p:nvSpPr>
         <p:spPr>
           <a:xfrm>
-            <a:off x="3517203" y="1646091"/>
+            <a:off x="3517203" y="1381739"/>
             <a:ext cx="1828800" cy="533400"/>
           </a:xfrm>
           <a:prstGeom prst="rect">
@@ -3629,15 +4035,15 @@
         <p:nvCxnSpPr>
           <p:cNvPr id="6" name="Straight Arrow Connector 5"/>
           <p:cNvCxnSpPr>
-            <a:stCxn id="4" idx="2"/>
-            <a:endCxn id="7" idx="0"/>
+            <a:stCxn id="22" idx="5"/>
+            <a:endCxn id="13" idx="1"/>
           </p:cNvCxnSpPr>
           <p:nvPr/>
         </p:nvCxnSpPr>
         <p:spPr>
-          <a:xfrm flipH="1">
-            <a:off x="2741601" y="2179491"/>
-            <a:ext cx="1690002" cy="914400"/>
+          <a:xfrm>
+            <a:off x="3622313" y="4671403"/>
+            <a:ext cx="362485" cy="561523"/>
           </a:xfrm>
           <a:prstGeom prst="straightConnector1">
             <a:avLst/>
@@ -3663,13 +4069,13 @@
       </p:cxnSp>
       <p:sp>
         <p:nvSpPr>
-          <p:cNvPr id="7" name="Oval 6"/>
+          <p:cNvPr id="13" name="Oval 12"/>
           <p:cNvSpPr/>
           <p:nvPr/>
         </p:nvSpPr>
         <p:spPr>
           <a:xfrm>
-            <a:off x="2069408" y="3093891"/>
+            <a:off x="3787917" y="5099015"/>
             <a:ext cx="1344386" cy="914400"/>
           </a:xfrm>
           <a:prstGeom prst="ellipse">
@@ -3699,7 +4105,7 @@
             <a:pPr algn="ctr"/>
             <a:r>
               <a:rPr lang="en-US" dirty="0" smtClean="0"/>
-              <a:t>Saver</a:t>
+              <a:t>XML file</a:t>
             </a:r>
             <a:endParaRPr lang="en-US" dirty="0"/>
           </a:p>
@@ -3707,78 +4113,13 @@
       </p:sp>
       <p:sp>
         <p:nvSpPr>
-          <p:cNvPr id="10" name="TextBox 9"/>
-          <p:cNvSpPr txBox="1"/>
-          <p:nvPr/>
-        </p:nvSpPr>
-        <p:spPr>
-          <a:xfrm>
-            <a:off x="2276242" y="2289522"/>
-            <a:ext cx="941604" cy="369332"/>
-          </a:xfrm>
-          <a:prstGeom prst="rect">
-            <a:avLst/>
-          </a:prstGeom>
-          <a:noFill/>
-        </p:spPr>
-        <p:txBody>
-          <a:bodyPr wrap="none" rtlCol="0">
-            <a:spAutoFit/>
-          </a:bodyPr>
-          <a:lstStyle/>
-          <a:p>
-            <a:r>
-              <a:rPr lang="en-US" dirty="0" smtClean="0"/>
-              <a:t>On Save</a:t>
-            </a:r>
-          </a:p>
-        </p:txBody>
-      </p:sp>
-      <p:cxnSp>
-        <p:nvCxnSpPr>
-          <p:cNvPr id="12" name="Straight Arrow Connector 11"/>
-          <p:cNvCxnSpPr>
-            <a:stCxn id="7" idx="4"/>
-            <a:endCxn id="13" idx="0"/>
-          </p:cNvCxnSpPr>
-          <p:nvPr/>
-        </p:nvCxnSpPr>
-        <p:spPr>
-          <a:xfrm>
-            <a:off x="2741601" y="4008291"/>
-            <a:ext cx="0" cy="778329"/>
-          </a:xfrm>
-          <a:prstGeom prst="straightConnector1">
-            <a:avLst/>
-          </a:prstGeom>
-          <a:ln>
-            <a:tailEnd type="arrow"/>
-          </a:ln>
-        </p:spPr>
-        <p:style>
-          <a:lnRef idx="1">
-            <a:schemeClr val="accent1"/>
-          </a:lnRef>
-          <a:fillRef idx="0">
-            <a:schemeClr val="accent1"/>
-          </a:fillRef>
-          <a:effectRef idx="0">
-            <a:schemeClr val="accent1"/>
-          </a:effectRef>
-          <a:fontRef idx="minor">
-            <a:schemeClr val="tx1"/>
-          </a:fontRef>
-        </p:style>
-      </p:cxnSp>
-      <p:sp>
-        <p:nvSpPr>
-          <p:cNvPr id="13" name="Oval 12"/>
+          <p:cNvPr id="22" name="Oval 21"/>
           <p:cNvSpPr/>
           <p:nvPr/>
         </p:nvSpPr>
         <p:spPr>
           <a:xfrm>
-            <a:off x="2069408" y="4786620"/>
+            <a:off x="2474808" y="3890914"/>
             <a:ext cx="1344386" cy="914400"/>
           </a:xfrm>
           <a:prstGeom prst="ellipse">
@@ -3808,24 +4149,127 @@
             <a:pPr algn="ctr"/>
             <a:r>
               <a:rPr lang="en-US" dirty="0" smtClean="0"/>
-              <a:t>XML file</a:t>
+              <a:t>Model</a:t>
             </a:r>
             <a:endParaRPr lang="en-US" dirty="0"/>
           </a:p>
         </p:txBody>
       </p:sp>
-      <p:sp>
-        <p:nvSpPr>
-          <p:cNvPr id="16" name="Oval 15"/>
+      <p:cxnSp>
+        <p:nvCxnSpPr>
+          <p:cNvPr id="36" name="Straight Arrow Connector 35"/>
+          <p:cNvCxnSpPr>
+            <a:stCxn id="30" idx="2"/>
+            <a:endCxn id="22" idx="1"/>
+          </p:cNvCxnSpPr>
+          <p:nvPr/>
+        </p:nvCxnSpPr>
+        <p:spPr>
+          <a:xfrm flipH="1">
+            <a:off x="2671689" y="3138217"/>
+            <a:ext cx="24867" cy="886608"/>
+          </a:xfrm>
+          <a:prstGeom prst="straightConnector1">
+            <a:avLst/>
+          </a:prstGeom>
+          <a:ln>
+            <a:tailEnd type="arrow"/>
+          </a:ln>
+        </p:spPr>
+        <p:style>
+          <a:lnRef idx="1">
+            <a:schemeClr val="accent1"/>
+          </a:lnRef>
+          <a:fillRef idx="0">
+            <a:schemeClr val="accent1"/>
+          </a:fillRef>
+          <a:effectRef idx="0">
+            <a:schemeClr val="accent1"/>
+          </a:effectRef>
+          <a:fontRef idx="minor">
+            <a:schemeClr val="tx1"/>
+          </a:fontRef>
+        </p:style>
+      </p:cxnSp>
+      <p:sp>
+        <p:nvSpPr>
+          <p:cNvPr id="41" name="TextBox 40"/>
+          <p:cNvSpPr txBox="1"/>
+          <p:nvPr/>
+        </p:nvSpPr>
+        <p:spPr>
+          <a:xfrm>
+            <a:off x="1895038" y="315686"/>
+            <a:ext cx="5073130" cy="646331"/>
+          </a:xfrm>
+          <a:prstGeom prst="rect">
+            <a:avLst/>
+          </a:prstGeom>
+          <a:noFill/>
+        </p:spPr>
+        <p:txBody>
+          <a:bodyPr wrap="square" rtlCol="0">
+            <a:spAutoFit/>
+          </a:bodyPr>
+          <a:lstStyle/>
+          <a:p>
+            <a:pPr algn="ctr"/>
+            <a:r>
+              <a:rPr lang="en-US" sz="3600" u="sng" dirty="0" smtClean="0"/>
+              <a:t>Workflow 2: UI Run</a:t>
+            </a:r>
+            <a:endParaRPr lang="en-US" sz="3600" u="sng" dirty="0"/>
+          </a:p>
+        </p:txBody>
+      </p:sp>
+      <p:cxnSp>
+        <p:nvCxnSpPr>
+          <p:cNvPr id="29" name="Straight Arrow Connector 28"/>
+          <p:cNvCxnSpPr>
+            <a:stCxn id="4" idx="1"/>
+            <a:endCxn id="30" idx="0"/>
+          </p:cNvCxnSpPr>
+          <p:nvPr/>
+        </p:nvCxnSpPr>
+        <p:spPr>
+          <a:xfrm flipH="1">
+            <a:off x="2696556" y="1648439"/>
+            <a:ext cx="820647" cy="575378"/>
+          </a:xfrm>
+          <a:prstGeom prst="straightConnector1">
+            <a:avLst/>
+          </a:prstGeom>
+          <a:ln>
+            <a:tailEnd type="arrow"/>
+          </a:ln>
+        </p:spPr>
+        <p:style>
+          <a:lnRef idx="1">
+            <a:schemeClr val="accent1"/>
+          </a:lnRef>
+          <a:fillRef idx="0">
+            <a:schemeClr val="accent1"/>
+          </a:fillRef>
+          <a:effectRef idx="0">
+            <a:schemeClr val="accent1"/>
+          </a:effectRef>
+          <a:fontRef idx="minor">
+            <a:schemeClr val="tx1"/>
+          </a:fontRef>
+        </p:style>
+      </p:cxnSp>
+      <p:sp>
+        <p:nvSpPr>
+          <p:cNvPr id="30" name="Diamond 29"/>
           <p:cNvSpPr/>
           <p:nvPr/>
         </p:nvSpPr>
         <p:spPr>
           <a:xfrm>
-            <a:off x="5125567" y="4830162"/>
-            <a:ext cx="1344386" cy="914400"/>
-          </a:xfrm>
-          <a:prstGeom prst="ellipse">
+            <a:off x="2048754" y="2223817"/>
+            <a:ext cx="1295604" cy="914400"/>
+          </a:xfrm>
+          <a:prstGeom prst="diamond">
             <a:avLst/>
           </a:prstGeom>
         </p:spPr>
@@ -3852,7 +4296,51 @@
             <a:pPr algn="ctr"/>
             <a:r>
               <a:rPr lang="en-US" dirty="0" smtClean="0"/>
-              <a:t>Loader</a:t>
+              <a:t>Save</a:t>
+            </a:r>
+            <a:endParaRPr lang="en-US" dirty="0"/>
+          </a:p>
+        </p:txBody>
+      </p:sp>
+      <p:sp>
+        <p:nvSpPr>
+          <p:cNvPr id="42" name="Diamond 41"/>
+          <p:cNvSpPr/>
+          <p:nvPr/>
+        </p:nvSpPr>
+        <p:spPr>
+          <a:xfrm>
+            <a:off x="5625644" y="2223817"/>
+            <a:ext cx="1351092" cy="914400"/>
+          </a:xfrm>
+          <a:prstGeom prst="diamond">
+            <a:avLst/>
+          </a:prstGeom>
+        </p:spPr>
+        <p:style>
+          <a:lnRef idx="2">
+            <a:schemeClr val="accent1">
+              <a:shade val="50000"/>
+            </a:schemeClr>
+          </a:lnRef>
+          <a:fillRef idx="1">
+            <a:schemeClr val="accent1"/>
+          </a:fillRef>
+          <a:effectRef idx="0">
+            <a:schemeClr val="accent1"/>
+          </a:effectRef>
+          <a:fontRef idx="minor">
+            <a:schemeClr val="lt1"/>
+          </a:fontRef>
+        </p:style>
+        <p:txBody>
+          <a:bodyPr rtlCol="0" anchor="ctr"/>
+          <a:lstStyle/>
+          <a:p>
+            <a:pPr algn="ctr"/>
+            <a:r>
+              <a:rPr lang="en-US" dirty="0" smtClean="0"/>
+              <a:t>Load</a:t>
             </a:r>
             <a:endParaRPr lang="en-US" dirty="0"/>
           </a:p>
@@ -3860,22 +4348,266 @@
       </p:sp>
       <p:cxnSp>
         <p:nvCxnSpPr>
-          <p:cNvPr id="18" name="Straight Arrow Connector 17"/>
+          <p:cNvPr id="44" name="Straight Arrow Connector 43"/>
           <p:cNvCxnSpPr>
-            <a:stCxn id="13" idx="6"/>
-            <a:endCxn id="16" idx="2"/>
+            <a:stCxn id="4" idx="3"/>
+            <a:endCxn id="42" idx="0"/>
           </p:cNvCxnSpPr>
           <p:nvPr/>
         </p:nvCxnSpPr>
         <p:spPr>
           <a:xfrm>
-            <a:off x="3413794" y="5243820"/>
-            <a:ext cx="1711773" cy="43542"/>
+            <a:off x="5346003" y="1648439"/>
+            <a:ext cx="955187" cy="575378"/>
           </a:xfrm>
           <a:prstGeom prst="straightConnector1">
             <a:avLst/>
           </a:prstGeom>
           <a:ln>
+            <a:solidFill>
+              <a:srgbClr val="FF0000"/>
+            </a:solidFill>
+            <a:tailEnd type="arrow"/>
+          </a:ln>
+        </p:spPr>
+        <p:style>
+          <a:lnRef idx="1">
+            <a:schemeClr val="accent1"/>
+          </a:lnRef>
+          <a:fillRef idx="0">
+            <a:schemeClr val="accent1"/>
+          </a:fillRef>
+          <a:effectRef idx="0">
+            <a:schemeClr val="accent1"/>
+          </a:effectRef>
+          <a:fontRef idx="minor">
+            <a:schemeClr val="tx1"/>
+          </a:fontRef>
+        </p:style>
+      </p:cxnSp>
+      <p:sp>
+        <p:nvSpPr>
+          <p:cNvPr id="74" name="TextBox 73"/>
+          <p:cNvSpPr txBox="1"/>
+          <p:nvPr/>
+        </p:nvSpPr>
+        <p:spPr>
+          <a:xfrm>
+            <a:off x="1114012" y="3203132"/>
+            <a:ext cx="1570110" cy="646331"/>
+          </a:xfrm>
+          <a:prstGeom prst="rect">
+            <a:avLst/>
+          </a:prstGeom>
+          <a:noFill/>
+        </p:spPr>
+        <p:txBody>
+          <a:bodyPr wrap="none" rtlCol="0">
+            <a:spAutoFit/>
+          </a:bodyPr>
+          <a:lstStyle/>
+          <a:p>
+            <a:r>
+              <a:rPr lang="en-US" dirty="0" smtClean="0">
+                <a:solidFill>
+                  <a:srgbClr val="0070C0"/>
+                </a:solidFill>
+              </a:rPr>
+              <a:t>Listeners save </a:t>
+            </a:r>
+          </a:p>
+          <a:p>
+            <a:r>
+              <a:rPr lang="en-US" dirty="0" smtClean="0">
+                <a:solidFill>
+                  <a:srgbClr val="0070C0"/>
+                </a:solidFill>
+              </a:rPr>
+              <a:t>into the model</a:t>
+            </a:r>
+            <a:endParaRPr lang="en-US" dirty="0">
+              <a:solidFill>
+                <a:srgbClr val="0070C0"/>
+              </a:solidFill>
+            </a:endParaRPr>
+          </a:p>
+        </p:txBody>
+      </p:sp>
+      <p:sp>
+        <p:nvSpPr>
+          <p:cNvPr id="75" name="TextBox 74"/>
+          <p:cNvSpPr txBox="1"/>
+          <p:nvPr/>
+        </p:nvSpPr>
+        <p:spPr>
+          <a:xfrm>
+            <a:off x="2102664" y="1424180"/>
+            <a:ext cx="1356077" cy="646331"/>
+          </a:xfrm>
+          <a:prstGeom prst="rect">
+            <a:avLst/>
+          </a:prstGeom>
+          <a:noFill/>
+        </p:spPr>
+        <p:txBody>
+          <a:bodyPr wrap="none" rtlCol="0">
+            <a:spAutoFit/>
+          </a:bodyPr>
+          <a:lstStyle/>
+          <a:p>
+            <a:r>
+              <a:rPr lang="en-US" dirty="0" smtClean="0">
+                <a:solidFill>
+                  <a:srgbClr val="0070C0"/>
+                </a:solidFill>
+              </a:rPr>
+              <a:t>Save button </a:t>
+            </a:r>
+          </a:p>
+          <a:p>
+            <a:r>
+              <a:rPr lang="en-US" dirty="0" smtClean="0">
+                <a:solidFill>
+                  <a:srgbClr val="0070C0"/>
+                </a:solidFill>
+              </a:rPr>
+              <a:t>clicked</a:t>
+            </a:r>
+            <a:endParaRPr lang="en-US" dirty="0">
+              <a:solidFill>
+                <a:srgbClr val="0070C0"/>
+              </a:solidFill>
+            </a:endParaRPr>
+          </a:p>
+        </p:txBody>
+      </p:sp>
+      <p:sp>
+        <p:nvSpPr>
+          <p:cNvPr id="76" name="TextBox 75"/>
+          <p:cNvSpPr txBox="1"/>
+          <p:nvPr/>
+        </p:nvSpPr>
+        <p:spPr>
+          <a:xfrm>
+            <a:off x="5849100" y="1394849"/>
+            <a:ext cx="1378198" cy="646331"/>
+          </a:xfrm>
+          <a:prstGeom prst="rect">
+            <a:avLst/>
+          </a:prstGeom>
+          <a:noFill/>
+        </p:spPr>
+        <p:txBody>
+          <a:bodyPr wrap="none" rtlCol="0">
+            <a:spAutoFit/>
+          </a:bodyPr>
+          <a:lstStyle/>
+          <a:p>
+            <a:r>
+              <a:rPr lang="en-US" dirty="0" smtClean="0">
+                <a:solidFill>
+                  <a:srgbClr val="FF0000"/>
+                </a:solidFill>
+              </a:rPr>
+              <a:t>Load button </a:t>
+            </a:r>
+          </a:p>
+          <a:p>
+            <a:r>
+              <a:rPr lang="en-US" dirty="0" smtClean="0">
+                <a:solidFill>
+                  <a:srgbClr val="FF0000"/>
+                </a:solidFill>
+              </a:rPr>
+              <a:t>clicked</a:t>
+            </a:r>
+            <a:endParaRPr lang="en-US" dirty="0">
+              <a:solidFill>
+                <a:srgbClr val="FF0000"/>
+              </a:solidFill>
+            </a:endParaRPr>
+          </a:p>
+        </p:txBody>
+      </p:sp>
+      <p:sp>
+        <p:nvSpPr>
+          <p:cNvPr id="77" name="TextBox 76"/>
+          <p:cNvSpPr txBox="1"/>
+          <p:nvPr/>
+        </p:nvSpPr>
+        <p:spPr>
+          <a:xfrm>
+            <a:off x="2132322" y="4926946"/>
+            <a:ext cx="1686872" cy="923330"/>
+          </a:xfrm>
+          <a:prstGeom prst="rect">
+            <a:avLst/>
+          </a:prstGeom>
+          <a:noFill/>
+        </p:spPr>
+        <p:txBody>
+          <a:bodyPr wrap="none" rtlCol="0">
+            <a:spAutoFit/>
+          </a:bodyPr>
+          <a:lstStyle/>
+          <a:p>
+            <a:r>
+              <a:rPr lang="en-US" dirty="0" smtClean="0">
+                <a:solidFill>
+                  <a:srgbClr val="0070C0"/>
+                </a:solidFill>
+              </a:rPr>
+              <a:t>Update XML file</a:t>
+            </a:r>
+          </a:p>
+          <a:p>
+            <a:r>
+              <a:rPr lang="en-US" dirty="0" smtClean="0">
+                <a:solidFill>
+                  <a:srgbClr val="0070C0"/>
+                </a:solidFill>
+              </a:rPr>
+              <a:t>using Model</a:t>
+            </a:r>
+          </a:p>
+          <a:p>
+            <a:r>
+              <a:rPr lang="en-US" dirty="0" smtClean="0">
+                <a:solidFill>
+                  <a:srgbClr val="0070C0"/>
+                </a:solidFill>
+              </a:rPr>
+              <a:t>getters</a:t>
+            </a:r>
+            <a:endParaRPr lang="en-US" dirty="0">
+              <a:solidFill>
+                <a:srgbClr val="0070C0"/>
+              </a:solidFill>
+            </a:endParaRPr>
+          </a:p>
+        </p:txBody>
+      </p:sp>
+      <p:cxnSp>
+        <p:nvCxnSpPr>
+          <p:cNvPr id="79" name="Straight Arrow Connector 78"/>
+          <p:cNvCxnSpPr>
+            <a:stCxn id="42" idx="2"/>
+            <a:endCxn id="13" idx="7"/>
+          </p:cNvCxnSpPr>
+          <p:nvPr/>
+        </p:nvCxnSpPr>
+        <p:spPr>
+          <a:xfrm flipH="1">
+            <a:off x="4935422" y="3138217"/>
+            <a:ext cx="1365768" cy="2094709"/>
+          </a:xfrm>
+          <a:prstGeom prst="straightConnector1">
+            <a:avLst/>
+          </a:prstGeom>
+          <a:ln>
+            <a:solidFill>
+              <a:srgbClr val="FF0000"/>
+            </a:solidFill>
             <a:tailEnd type="arrow"/>
           </a:ln>
         </p:spPr>
@@ -3896,22 +4628,25 @@
       </p:cxnSp>
       <p:cxnSp>
         <p:nvCxnSpPr>
-          <p:cNvPr id="21" name="Straight Arrow Connector 20"/>
+          <p:cNvPr id="85" name="Straight Arrow Connector 84"/>
           <p:cNvCxnSpPr>
-            <a:stCxn id="16" idx="0"/>
-            <a:endCxn id="22" idx="4"/>
+            <a:stCxn id="42" idx="2"/>
+            <a:endCxn id="22" idx="7"/>
           </p:cNvCxnSpPr>
           <p:nvPr/>
         </p:nvCxnSpPr>
         <p:spPr>
-          <a:xfrm flipH="1" flipV="1">
-            <a:off x="5781431" y="4008291"/>
-            <a:ext cx="16329" cy="821871"/>
+          <a:xfrm flipH="1">
+            <a:off x="3622313" y="3138217"/>
+            <a:ext cx="2678877" cy="886608"/>
           </a:xfrm>
           <a:prstGeom prst="straightConnector1">
             <a:avLst/>
           </a:prstGeom>
           <a:ln>
+            <a:solidFill>
+              <a:srgbClr val="FF0000"/>
+            </a:solidFill>
             <a:tailEnd type="arrow"/>
           </a:ln>
         </p:spPr>
@@ -3932,58 +4667,14 @@
       </p:cxnSp>
       <p:sp>
         <p:nvSpPr>
-          <p:cNvPr id="22" name="Oval 21"/>
-          <p:cNvSpPr/>
-          <p:nvPr/>
-        </p:nvSpPr>
-        <p:spPr>
-          <a:xfrm>
-            <a:off x="5109238" y="3093891"/>
-            <a:ext cx="1344386" cy="914400"/>
-          </a:xfrm>
-          <a:prstGeom prst="ellipse">
-            <a:avLst/>
-          </a:prstGeom>
-        </p:spPr>
-        <p:style>
-          <a:lnRef idx="2">
-            <a:schemeClr val="accent1">
-              <a:shade val="50000"/>
-            </a:schemeClr>
-          </a:lnRef>
-          <a:fillRef idx="1">
-            <a:schemeClr val="accent1"/>
-          </a:fillRef>
-          <a:effectRef idx="0">
-            <a:schemeClr val="accent1"/>
-          </a:effectRef>
-          <a:fontRef idx="minor">
-            <a:schemeClr val="lt1"/>
-          </a:fontRef>
-        </p:style>
-        <p:txBody>
-          <a:bodyPr rtlCol="0" anchor="ctr"/>
-          <a:lstStyle/>
-          <a:p>
-            <a:pPr algn="ctr"/>
-            <a:r>
-              <a:rPr lang="en-US" dirty="0" smtClean="0"/>
-              <a:t>Model</a:t>
-            </a:r>
-            <a:endParaRPr lang="en-US" dirty="0"/>
-          </a:p>
-        </p:txBody>
-      </p:sp>
-      <p:sp>
-        <p:nvSpPr>
-          <p:cNvPr id="25" name="TextBox 24"/>
+          <p:cNvPr id="93" name="TextBox 92"/>
           <p:cNvSpPr txBox="1"/>
           <p:nvPr/>
         </p:nvSpPr>
         <p:spPr>
           <a:xfrm>
-            <a:off x="1522401" y="4313091"/>
-            <a:ext cx="1146724" cy="369332"/>
+            <a:off x="5634490" y="4004693"/>
+            <a:ext cx="1592808" cy="646331"/>
           </a:xfrm>
           <a:prstGeom prst="rect">
             <a:avLst/>
@@ -3997,27 +4688,41 @@
           <a:lstStyle/>
           <a:p>
             <a:r>
-              <a:rPr lang="en-US" dirty="0"/>
-              <a:t>G</a:t>
-            </a:r>
-            <a:r>
-              <a:rPr lang="en-US" dirty="0" smtClean="0"/>
-              <a:t>enerates</a:t>
-            </a:r>
-            <a:endParaRPr lang="en-US" dirty="0"/>
-          </a:p>
-        </p:txBody>
-      </p:sp>
-      <p:sp>
-        <p:nvSpPr>
-          <p:cNvPr id="26" name="TextBox 25"/>
+              <a:rPr lang="en-US" dirty="0" smtClean="0">
+                <a:solidFill>
+                  <a:srgbClr val="FF0000"/>
+                </a:solidFill>
+              </a:rPr>
+              <a:t>Parses XML file</a:t>
+            </a:r>
+          </a:p>
+          <a:p>
+            <a:r>
+              <a:rPr lang="en-US" dirty="0" smtClean="0">
+                <a:solidFill>
+                  <a:srgbClr val="FF0000"/>
+                </a:solidFill>
+              </a:rPr>
+              <a:t>for stored data</a:t>
+            </a:r>
+            <a:endParaRPr lang="en-US" dirty="0">
+              <a:solidFill>
+                <a:srgbClr val="FF0000"/>
+              </a:solidFill>
+            </a:endParaRPr>
+          </a:p>
+        </p:txBody>
+      </p:sp>
+      <p:sp>
+        <p:nvSpPr>
+          <p:cNvPr id="94" name="TextBox 93"/>
           <p:cNvSpPr txBox="1"/>
           <p:nvPr/>
         </p:nvSpPr>
         <p:spPr>
           <a:xfrm>
-            <a:off x="3736040" y="5476493"/>
-            <a:ext cx="1067280" cy="646331"/>
+            <a:off x="3959160" y="2860507"/>
+            <a:ext cx="1675330" cy="646331"/>
           </a:xfrm>
           <a:prstGeom prst="rect">
             <a:avLst/>
@@ -4030,149 +4735,31 @@
           </a:bodyPr>
           <a:lstStyle/>
           <a:p>
-            <a:r>
-              <a:rPr lang="en-US" dirty="0" smtClean="0"/>
-              <a:t>Taken in</a:t>
-            </a:r>
-          </a:p>
-          <a:p>
-            <a:r>
-              <a:rPr lang="en-US" dirty="0" smtClean="0"/>
-              <a:t>By loader</a:t>
-            </a:r>
-            <a:endParaRPr lang="en-US" dirty="0"/>
-          </a:p>
-        </p:txBody>
-      </p:sp>
-      <p:sp>
-        <p:nvSpPr>
-          <p:cNvPr id="27" name="TextBox 26"/>
-          <p:cNvSpPr txBox="1"/>
-          <p:nvPr/>
-        </p:nvSpPr>
-        <p:spPr>
-          <a:xfrm>
-            <a:off x="6094401" y="4074289"/>
-            <a:ext cx="874150" cy="646331"/>
-          </a:xfrm>
-          <a:prstGeom prst="rect">
-            <a:avLst/>
-          </a:prstGeom>
-          <a:noFill/>
-        </p:spPr>
-        <p:txBody>
-          <a:bodyPr wrap="none" rtlCol="0">
-            <a:spAutoFit/>
-          </a:bodyPr>
-          <a:lstStyle/>
-          <a:p>
-            <a:r>
-              <a:rPr lang="en-US" dirty="0" smtClean="0"/>
-              <a:t>Update</a:t>
-            </a:r>
-          </a:p>
-          <a:p>
-            <a:r>
-              <a:rPr lang="en-US" dirty="0" smtClean="0"/>
-              <a:t>Model</a:t>
-            </a:r>
-            <a:endParaRPr lang="en-US" dirty="0"/>
-          </a:p>
-        </p:txBody>
-      </p:sp>
-      <p:cxnSp>
-        <p:nvCxnSpPr>
-          <p:cNvPr id="36" name="Straight Arrow Connector 35"/>
-          <p:cNvCxnSpPr>
-            <a:stCxn id="4" idx="2"/>
-            <a:endCxn id="22" idx="0"/>
-          </p:cNvCxnSpPr>
-          <p:nvPr/>
-        </p:nvCxnSpPr>
-        <p:spPr>
-          <a:xfrm>
-            <a:off x="4431603" y="2179491"/>
-            <a:ext cx="1349828" cy="914400"/>
-          </a:xfrm>
-          <a:prstGeom prst="straightConnector1">
-            <a:avLst/>
-          </a:prstGeom>
-          <a:ln>
-            <a:tailEnd type="arrow"/>
-          </a:ln>
-        </p:spPr>
-        <p:style>
-          <a:lnRef idx="1">
-            <a:schemeClr val="accent1"/>
-          </a:lnRef>
-          <a:fillRef idx="0">
-            <a:schemeClr val="accent1"/>
-          </a:fillRef>
-          <a:effectRef idx="0">
-            <a:schemeClr val="accent1"/>
-          </a:effectRef>
-          <a:fontRef idx="minor">
-            <a:schemeClr val="tx1"/>
-          </a:fontRef>
-        </p:style>
-      </p:cxnSp>
-      <p:sp>
-        <p:nvSpPr>
-          <p:cNvPr id="40" name="TextBox 39"/>
-          <p:cNvSpPr txBox="1"/>
-          <p:nvPr/>
-        </p:nvSpPr>
-        <p:spPr>
-          <a:xfrm>
-            <a:off x="5346003" y="2311685"/>
-            <a:ext cx="963725" cy="369332"/>
-          </a:xfrm>
-          <a:prstGeom prst="rect">
-            <a:avLst/>
-          </a:prstGeom>
-          <a:noFill/>
-        </p:spPr>
-        <p:txBody>
-          <a:bodyPr wrap="none" rtlCol="0">
-            <a:spAutoFit/>
-          </a:bodyPr>
-          <a:lstStyle/>
-          <a:p>
-            <a:r>
-              <a:rPr lang="en-US" dirty="0" smtClean="0"/>
-              <a:t>On Load</a:t>
-            </a:r>
-            <a:endParaRPr lang="en-US" dirty="0"/>
-          </a:p>
-        </p:txBody>
-      </p:sp>
-      <p:sp>
-        <p:nvSpPr>
-          <p:cNvPr id="41" name="TextBox 40"/>
-          <p:cNvSpPr txBox="1"/>
-          <p:nvPr/>
-        </p:nvSpPr>
-        <p:spPr>
-          <a:xfrm>
-            <a:off x="3277539" y="304800"/>
-            <a:ext cx="2481391" cy="646331"/>
-          </a:xfrm>
-          <a:prstGeom prst="rect">
-            <a:avLst/>
-          </a:prstGeom>
-          <a:noFill/>
-        </p:spPr>
-        <p:txBody>
-          <a:bodyPr wrap="square" rtlCol="0">
-            <a:spAutoFit/>
-          </a:bodyPr>
-          <a:lstStyle/>
-          <a:p>
-            <a:r>
-              <a:rPr lang="en-US" sz="3600" u="sng" dirty="0" smtClean="0"/>
-              <a:t>Workflow 2</a:t>
-            </a:r>
-            <a:endParaRPr lang="en-US" sz="3600" u="sng" dirty="0"/>
+            <a:pPr algn="ctr"/>
+            <a:r>
+              <a:rPr lang="en-US" dirty="0" smtClean="0">
+                <a:solidFill>
+                  <a:srgbClr val="FF0000"/>
+                </a:solidFill>
+              </a:rPr>
+              <a:t>Sends XML data</a:t>
+            </a:r>
+          </a:p>
+          <a:p>
+            <a:pPr algn="ctr"/>
+            <a:r>
+              <a:rPr lang="en-US" dirty="0" smtClean="0">
+                <a:solidFill>
+                  <a:srgbClr val="FF0000"/>
+                </a:solidFill>
+              </a:rPr>
+              <a:t>to Model</a:t>
+            </a:r>
+            <a:endParaRPr lang="en-US" dirty="0">
+              <a:solidFill>
+                <a:srgbClr val="FF0000"/>
+              </a:solidFill>
+            </a:endParaRPr>
           </a:p>
         </p:txBody>
       </p:sp>
@@ -4180,1113 +4767,6 @@
     <p:extLst>
       <p:ext uri="{BB962C8B-B14F-4D97-AF65-F5344CB8AC3E}">
         <p14:creationId xmlns:p14="http://schemas.microsoft.com/office/powerpoint/2010/main" val="3427568546"/>
-      </p:ext>
-    </p:extLst>
-  </p:cSld>
-  <p:clrMapOvr>
-    <a:masterClrMapping/>
-  </p:clrMapOvr>
-</p:sld>
-</file>
-
-<file path=ppt/slides/slide3.xml><?xml version="1.0" encoding="utf-8"?>
-<p:sld xmlns:a="http://schemas.openxmlformats.org/drawingml/2006/main" xmlns:r="http://schemas.openxmlformats.org/officeDocument/2006/relationships" xmlns:p="http://schemas.openxmlformats.org/presentationml/2006/main">
-  <p:cSld>
-    <p:spTree>
-      <p:nvGrpSpPr>
-        <p:cNvPr id="1" name=""/>
-        <p:cNvGrpSpPr/>
-        <p:nvPr/>
-      </p:nvGrpSpPr>
-      <p:grpSpPr>
-        <a:xfrm>
-          <a:off x="0" y="0"/>
-          <a:ext cx="0" cy="0"/>
-          <a:chOff x="0" y="0"/>
-          <a:chExt cx="0" cy="0"/>
-        </a:xfrm>
-      </p:grpSpPr>
-      <p:sp>
-        <p:nvSpPr>
-          <p:cNvPr id="4" name="Rectangle 3"/>
-          <p:cNvSpPr/>
-          <p:nvPr/>
-        </p:nvSpPr>
-        <p:spPr>
-          <a:xfrm>
-            <a:off x="1555102" y="1771468"/>
-            <a:ext cx="1396810" cy="612775"/>
-          </a:xfrm>
-          <a:prstGeom prst="rect">
-            <a:avLst/>
-          </a:prstGeom>
-        </p:spPr>
-        <p:style>
-          <a:lnRef idx="2">
-            <a:schemeClr val="accent1">
-              <a:shade val="50000"/>
-            </a:schemeClr>
-          </a:lnRef>
-          <a:fillRef idx="1">
-            <a:schemeClr val="accent1"/>
-          </a:fillRef>
-          <a:effectRef idx="0">
-            <a:schemeClr val="accent1"/>
-          </a:effectRef>
-          <a:fontRef idx="minor">
-            <a:schemeClr val="lt1"/>
-          </a:fontRef>
-        </p:style>
-        <p:txBody>
-          <a:bodyPr rtlCol="0" anchor="ctr"/>
-          <a:lstStyle/>
-          <a:p>
-            <a:pPr algn="ctr"/>
-            <a:r>
-              <a:rPr lang="en-US" dirty="0" smtClean="0"/>
-              <a:t>UI</a:t>
-            </a:r>
-            <a:endParaRPr lang="en-US" dirty="0"/>
-          </a:p>
-        </p:txBody>
-      </p:sp>
-      <p:sp>
-        <p:nvSpPr>
-          <p:cNvPr id="5" name="Rectangle 4"/>
-          <p:cNvSpPr/>
-          <p:nvPr/>
-        </p:nvSpPr>
-        <p:spPr>
-          <a:xfrm>
-            <a:off x="1713833" y="3066869"/>
-            <a:ext cx="1079348" cy="787853"/>
-          </a:xfrm>
-          <a:prstGeom prst="rect">
-            <a:avLst/>
-          </a:prstGeom>
-        </p:spPr>
-        <p:style>
-          <a:lnRef idx="2">
-            <a:schemeClr val="accent1">
-              <a:shade val="50000"/>
-            </a:schemeClr>
-          </a:lnRef>
-          <a:fillRef idx="1">
-            <a:schemeClr val="accent1"/>
-          </a:fillRef>
-          <a:effectRef idx="0">
-            <a:schemeClr val="accent1"/>
-          </a:effectRef>
-          <a:fontRef idx="minor">
-            <a:schemeClr val="lt1"/>
-          </a:fontRef>
-        </p:style>
-        <p:txBody>
-          <a:bodyPr rtlCol="0" anchor="ctr"/>
-          <a:lstStyle/>
-          <a:p>
-            <a:pPr algn="ctr"/>
-            <a:r>
-              <a:rPr lang="en-US" dirty="0" smtClean="0"/>
-              <a:t>Parser</a:t>
-            </a:r>
-            <a:endParaRPr lang="en-US" dirty="0"/>
-          </a:p>
-        </p:txBody>
-      </p:sp>
-      <p:sp>
-        <p:nvSpPr>
-          <p:cNvPr id="6" name="Oval 5"/>
-          <p:cNvSpPr/>
-          <p:nvPr/>
-        </p:nvSpPr>
-        <p:spPr>
-          <a:xfrm>
-            <a:off x="1657121" y="4645298"/>
-            <a:ext cx="1192772" cy="1050471"/>
-          </a:xfrm>
-          <a:prstGeom prst="ellipse">
-            <a:avLst/>
-          </a:prstGeom>
-        </p:spPr>
-        <p:style>
-          <a:lnRef idx="2">
-            <a:schemeClr val="accent1">
-              <a:shade val="50000"/>
-            </a:schemeClr>
-          </a:lnRef>
-          <a:fillRef idx="1">
-            <a:schemeClr val="accent1"/>
-          </a:fillRef>
-          <a:effectRef idx="0">
-            <a:schemeClr val="accent1"/>
-          </a:effectRef>
-          <a:fontRef idx="minor">
-            <a:schemeClr val="lt1"/>
-          </a:fontRef>
-        </p:style>
-        <p:txBody>
-          <a:bodyPr rtlCol="0" anchor="ctr"/>
-          <a:lstStyle/>
-          <a:p>
-            <a:pPr algn="ctr"/>
-            <a:r>
-              <a:rPr lang="en-US" dirty="0" smtClean="0"/>
-              <a:t>Model</a:t>
-            </a:r>
-            <a:endParaRPr lang="en-US" dirty="0"/>
-          </a:p>
-        </p:txBody>
-      </p:sp>
-      <p:cxnSp>
-        <p:nvCxnSpPr>
-          <p:cNvPr id="7" name="Straight Arrow Connector 6"/>
-          <p:cNvCxnSpPr>
-            <a:stCxn id="5" idx="2"/>
-            <a:endCxn id="6" idx="0"/>
-          </p:cNvCxnSpPr>
-          <p:nvPr/>
-        </p:nvCxnSpPr>
-        <p:spPr>
-          <a:xfrm>
-            <a:off x="2253507" y="3854722"/>
-            <a:ext cx="0" cy="790576"/>
-          </a:xfrm>
-          <a:prstGeom prst="straightConnector1">
-            <a:avLst/>
-          </a:prstGeom>
-          <a:ln>
-            <a:tailEnd type="arrow"/>
-          </a:ln>
-        </p:spPr>
-        <p:style>
-          <a:lnRef idx="1">
-            <a:schemeClr val="accent1"/>
-          </a:lnRef>
-          <a:fillRef idx="0">
-            <a:schemeClr val="accent1"/>
-          </a:fillRef>
-          <a:effectRef idx="0">
-            <a:schemeClr val="accent1"/>
-          </a:effectRef>
-          <a:fontRef idx="minor">
-            <a:schemeClr val="tx1"/>
-          </a:fontRef>
-        </p:style>
-      </p:cxnSp>
-      <p:cxnSp>
-        <p:nvCxnSpPr>
-          <p:cNvPr id="8" name="Straight Arrow Connector 7"/>
-          <p:cNvCxnSpPr>
-            <a:stCxn id="5" idx="2"/>
-            <a:endCxn id="11" idx="1"/>
-          </p:cNvCxnSpPr>
-          <p:nvPr/>
-        </p:nvCxnSpPr>
-        <p:spPr>
-          <a:xfrm>
-            <a:off x="2253507" y="3854722"/>
-            <a:ext cx="1170184" cy="944414"/>
-          </a:xfrm>
-          <a:prstGeom prst="straightConnector1">
-            <a:avLst/>
-          </a:prstGeom>
-          <a:ln>
-            <a:tailEnd type="arrow"/>
-          </a:ln>
-        </p:spPr>
-        <p:style>
-          <a:lnRef idx="1">
-            <a:schemeClr val="accent1"/>
-          </a:lnRef>
-          <a:fillRef idx="0">
-            <a:schemeClr val="accent1"/>
-          </a:fillRef>
-          <a:effectRef idx="0">
-            <a:schemeClr val="accent1"/>
-          </a:effectRef>
-          <a:fontRef idx="minor">
-            <a:schemeClr val="tx1"/>
-          </a:fontRef>
-        </p:style>
-      </p:cxnSp>
-      <p:cxnSp>
-        <p:nvCxnSpPr>
-          <p:cNvPr id="9" name="Straight Arrow Connector 8"/>
-          <p:cNvCxnSpPr>
-            <a:stCxn id="5" idx="2"/>
-            <a:endCxn id="12" idx="7"/>
-          </p:cNvCxnSpPr>
-          <p:nvPr/>
-        </p:nvCxnSpPr>
-        <p:spPr>
-          <a:xfrm flipH="1">
-            <a:off x="926976" y="3854722"/>
-            <a:ext cx="1326531" cy="944414"/>
-          </a:xfrm>
-          <a:prstGeom prst="straightConnector1">
-            <a:avLst/>
-          </a:prstGeom>
-          <a:ln>
-            <a:tailEnd type="arrow"/>
-          </a:ln>
-        </p:spPr>
-        <p:style>
-          <a:lnRef idx="1">
-            <a:schemeClr val="accent1"/>
-          </a:lnRef>
-          <a:fillRef idx="0">
-            <a:schemeClr val="accent1"/>
-          </a:fillRef>
-          <a:effectRef idx="0">
-            <a:schemeClr val="accent1"/>
-          </a:effectRef>
-          <a:fontRef idx="minor">
-            <a:schemeClr val="tx1"/>
-          </a:fontRef>
-        </p:style>
-      </p:cxnSp>
-      <p:cxnSp>
-        <p:nvCxnSpPr>
-          <p:cNvPr id="10" name="Straight Arrow Connector 9"/>
-          <p:cNvCxnSpPr>
-            <a:stCxn id="4" idx="2"/>
-            <a:endCxn id="5" idx="0"/>
-          </p:cNvCxnSpPr>
-          <p:nvPr/>
-        </p:nvCxnSpPr>
-        <p:spPr>
-          <a:xfrm>
-            <a:off x="2253507" y="2384243"/>
-            <a:ext cx="0" cy="682626"/>
-          </a:xfrm>
-          <a:prstGeom prst="straightConnector1">
-            <a:avLst/>
-          </a:prstGeom>
-          <a:ln>
-            <a:tailEnd type="arrow"/>
-          </a:ln>
-        </p:spPr>
-        <p:style>
-          <a:lnRef idx="1">
-            <a:schemeClr val="accent1"/>
-          </a:lnRef>
-          <a:fillRef idx="0">
-            <a:schemeClr val="accent1"/>
-          </a:fillRef>
-          <a:effectRef idx="0">
-            <a:schemeClr val="accent1"/>
-          </a:effectRef>
-          <a:fontRef idx="minor">
-            <a:schemeClr val="tx1"/>
-          </a:fontRef>
-        </p:style>
-      </p:cxnSp>
-      <p:sp>
-        <p:nvSpPr>
-          <p:cNvPr id="11" name="Oval 10"/>
-          <p:cNvSpPr/>
-          <p:nvPr/>
-        </p:nvSpPr>
-        <p:spPr>
-          <a:xfrm>
-            <a:off x="3243853" y="4645298"/>
-            <a:ext cx="1228012" cy="1050471"/>
-          </a:xfrm>
-          <a:prstGeom prst="ellipse">
-            <a:avLst/>
-          </a:prstGeom>
-        </p:spPr>
-        <p:style>
-          <a:lnRef idx="2">
-            <a:schemeClr val="accent1">
-              <a:shade val="50000"/>
-            </a:schemeClr>
-          </a:lnRef>
-          <a:fillRef idx="1">
-            <a:schemeClr val="accent1"/>
-          </a:fillRef>
-          <a:effectRef idx="0">
-            <a:schemeClr val="accent1"/>
-          </a:effectRef>
-          <a:fontRef idx="minor">
-            <a:schemeClr val="lt1"/>
-          </a:fontRef>
-        </p:style>
-        <p:txBody>
-          <a:bodyPr rtlCol="0" anchor="ctr"/>
-          <a:lstStyle/>
-          <a:p>
-            <a:pPr algn="ctr"/>
-            <a:r>
-              <a:rPr lang="en-US" dirty="0" smtClean="0"/>
-              <a:t>Loader</a:t>
-            </a:r>
-            <a:endParaRPr lang="en-US" dirty="0"/>
-          </a:p>
-        </p:txBody>
-      </p:sp>
-      <p:sp>
-        <p:nvSpPr>
-          <p:cNvPr id="12" name="Oval 11"/>
-          <p:cNvSpPr/>
-          <p:nvPr/>
-        </p:nvSpPr>
-        <p:spPr>
-          <a:xfrm>
-            <a:off x="50529" y="4645298"/>
-            <a:ext cx="1026822" cy="1050471"/>
-          </a:xfrm>
-          <a:prstGeom prst="ellipse">
-            <a:avLst/>
-          </a:prstGeom>
-        </p:spPr>
-        <p:style>
-          <a:lnRef idx="2">
-            <a:schemeClr val="accent1">
-              <a:shade val="50000"/>
-            </a:schemeClr>
-          </a:lnRef>
-          <a:fillRef idx="1">
-            <a:schemeClr val="accent1"/>
-          </a:fillRef>
-          <a:effectRef idx="0">
-            <a:schemeClr val="accent1"/>
-          </a:effectRef>
-          <a:fontRef idx="minor">
-            <a:schemeClr val="lt1"/>
-          </a:fontRef>
-        </p:style>
-        <p:txBody>
-          <a:bodyPr rtlCol="0" anchor="ctr"/>
-          <a:lstStyle/>
-          <a:p>
-            <a:pPr algn="ctr"/>
-            <a:r>
-              <a:rPr lang="en-US" dirty="0" smtClean="0"/>
-              <a:t>Saver</a:t>
-            </a:r>
-            <a:endParaRPr lang="en-US" dirty="0"/>
-          </a:p>
-        </p:txBody>
-      </p:sp>
-      <p:sp>
-        <p:nvSpPr>
-          <p:cNvPr id="13" name="TextBox 12"/>
-          <p:cNvSpPr txBox="1"/>
-          <p:nvPr/>
-        </p:nvSpPr>
-        <p:spPr>
-          <a:xfrm>
-            <a:off x="2849893" y="4019370"/>
-            <a:ext cx="1167706" cy="369332"/>
-          </a:xfrm>
-          <a:prstGeom prst="rect">
-            <a:avLst/>
-          </a:prstGeom>
-          <a:noFill/>
-        </p:spPr>
-        <p:txBody>
-          <a:bodyPr wrap="square" rtlCol="0">
-            <a:spAutoFit/>
-          </a:bodyPr>
-          <a:lstStyle/>
-          <a:p>
-            <a:r>
-              <a:rPr lang="en-US" dirty="0" smtClean="0"/>
-              <a:t>Generates</a:t>
-            </a:r>
-            <a:endParaRPr lang="en-US" dirty="0"/>
-          </a:p>
-        </p:txBody>
-      </p:sp>
-      <p:sp>
-        <p:nvSpPr>
-          <p:cNvPr id="14" name="TextBox 13"/>
-          <p:cNvSpPr txBox="1"/>
-          <p:nvPr/>
-        </p:nvSpPr>
-        <p:spPr>
-          <a:xfrm>
-            <a:off x="2793180" y="2495370"/>
-            <a:ext cx="1224419" cy="646331"/>
-          </a:xfrm>
-          <a:prstGeom prst="rect">
-            <a:avLst/>
-          </a:prstGeom>
-          <a:noFill/>
-        </p:spPr>
-        <p:txBody>
-          <a:bodyPr wrap="square" rtlCol="0">
-            <a:spAutoFit/>
-          </a:bodyPr>
-          <a:lstStyle/>
-          <a:p>
-            <a:r>
-              <a:rPr lang="en-US" dirty="0" smtClean="0"/>
-              <a:t>Parse .</a:t>
-            </a:r>
-            <a:r>
-              <a:rPr lang="en-US" dirty="0" err="1" smtClean="0"/>
-              <a:t>ui</a:t>
-            </a:r>
-            <a:r>
-              <a:rPr lang="en-US" dirty="0" smtClean="0"/>
-              <a:t> file</a:t>
-            </a:r>
-            <a:endParaRPr lang="en-US" dirty="0"/>
-          </a:p>
-        </p:txBody>
-      </p:sp>
-      <p:sp>
-        <p:nvSpPr>
-          <p:cNvPr id="15" name="TextBox 14"/>
-          <p:cNvSpPr txBox="1"/>
-          <p:nvPr/>
-        </p:nvSpPr>
-        <p:spPr>
-          <a:xfrm>
-            <a:off x="1362593" y="437970"/>
-            <a:ext cx="1895249" cy="523220"/>
-          </a:xfrm>
-          <a:prstGeom prst="rect">
-            <a:avLst/>
-          </a:prstGeom>
-          <a:noFill/>
-        </p:spPr>
-        <p:txBody>
-          <a:bodyPr wrap="square" rtlCol="0">
-            <a:spAutoFit/>
-          </a:bodyPr>
-          <a:lstStyle/>
-          <a:p>
-            <a:r>
-              <a:rPr lang="en-US" sz="2800" u="sng" dirty="0" smtClean="0"/>
-              <a:t>Workflow 1</a:t>
-            </a:r>
-            <a:endParaRPr lang="en-US" sz="2800" u="sng" dirty="0"/>
-          </a:p>
-        </p:txBody>
-      </p:sp>
-      <p:sp>
-        <p:nvSpPr>
-          <p:cNvPr id="28" name="Rectangle 27"/>
-          <p:cNvSpPr/>
-          <p:nvPr/>
-        </p:nvSpPr>
-        <p:spPr>
-          <a:xfrm>
-            <a:off x="6316735" y="1771468"/>
-            <a:ext cx="1300931" cy="402426"/>
-          </a:xfrm>
-          <a:prstGeom prst="rect">
-            <a:avLst/>
-          </a:prstGeom>
-        </p:spPr>
-        <p:style>
-          <a:lnRef idx="2">
-            <a:schemeClr val="accent1">
-              <a:shade val="50000"/>
-            </a:schemeClr>
-          </a:lnRef>
-          <a:fillRef idx="1">
-            <a:schemeClr val="accent1"/>
-          </a:fillRef>
-          <a:effectRef idx="0">
-            <a:schemeClr val="accent1"/>
-          </a:effectRef>
-          <a:fontRef idx="minor">
-            <a:schemeClr val="lt1"/>
-          </a:fontRef>
-        </p:style>
-        <p:txBody>
-          <a:bodyPr rtlCol="0" anchor="ctr"/>
-          <a:lstStyle/>
-          <a:p>
-            <a:pPr algn="ctr"/>
-            <a:r>
-              <a:rPr lang="en-US" dirty="0" smtClean="0"/>
-              <a:t>UI</a:t>
-            </a:r>
-            <a:endParaRPr lang="en-US" dirty="0"/>
-          </a:p>
-        </p:txBody>
-      </p:sp>
-      <p:cxnSp>
-        <p:nvCxnSpPr>
-          <p:cNvPr id="29" name="Straight Arrow Connector 28"/>
-          <p:cNvCxnSpPr>
-            <a:stCxn id="28" idx="2"/>
-            <a:endCxn id="30" idx="0"/>
-          </p:cNvCxnSpPr>
-          <p:nvPr/>
-        </p:nvCxnSpPr>
-        <p:spPr>
-          <a:xfrm flipH="1">
-            <a:off x="5355719" y="2173894"/>
-            <a:ext cx="1611482" cy="1045374"/>
-          </a:xfrm>
-          <a:prstGeom prst="straightConnector1">
-            <a:avLst/>
-          </a:prstGeom>
-          <a:ln>
-            <a:tailEnd type="arrow"/>
-          </a:ln>
-        </p:spPr>
-        <p:style>
-          <a:lnRef idx="1">
-            <a:schemeClr val="accent1"/>
-          </a:lnRef>
-          <a:fillRef idx="0">
-            <a:schemeClr val="accent1"/>
-          </a:fillRef>
-          <a:effectRef idx="0">
-            <a:schemeClr val="accent1"/>
-          </a:effectRef>
-          <a:fontRef idx="minor">
-            <a:schemeClr val="tx1"/>
-          </a:fontRef>
-        </p:style>
-      </p:cxnSp>
-      <p:sp>
-        <p:nvSpPr>
-          <p:cNvPr id="30" name="Oval 29"/>
-          <p:cNvSpPr/>
-          <p:nvPr/>
-        </p:nvSpPr>
-        <p:spPr>
-          <a:xfrm>
-            <a:off x="4777956" y="3219268"/>
-            <a:ext cx="1155525" cy="689873"/>
-          </a:xfrm>
-          <a:prstGeom prst="ellipse">
-            <a:avLst/>
-          </a:prstGeom>
-        </p:spPr>
-        <p:style>
-          <a:lnRef idx="2">
-            <a:schemeClr val="accent1">
-              <a:shade val="50000"/>
-            </a:schemeClr>
-          </a:lnRef>
-          <a:fillRef idx="1">
-            <a:schemeClr val="accent1"/>
-          </a:fillRef>
-          <a:effectRef idx="0">
-            <a:schemeClr val="accent1"/>
-          </a:effectRef>
-          <a:fontRef idx="minor">
-            <a:schemeClr val="lt1"/>
-          </a:fontRef>
-        </p:style>
-        <p:txBody>
-          <a:bodyPr rtlCol="0" anchor="ctr"/>
-          <a:lstStyle/>
-          <a:p>
-            <a:pPr algn="ctr"/>
-            <a:r>
-              <a:rPr lang="en-US" dirty="0" smtClean="0"/>
-              <a:t>Saver</a:t>
-            </a:r>
-            <a:endParaRPr lang="en-US" dirty="0"/>
-          </a:p>
-        </p:txBody>
-      </p:sp>
-      <p:sp>
-        <p:nvSpPr>
-          <p:cNvPr id="31" name="TextBox 30"/>
-          <p:cNvSpPr txBox="1"/>
-          <p:nvPr/>
-        </p:nvSpPr>
-        <p:spPr>
-          <a:xfrm>
-            <a:off x="5355718" y="2188493"/>
-            <a:ext cx="669817" cy="646331"/>
-          </a:xfrm>
-          <a:prstGeom prst="rect">
-            <a:avLst/>
-          </a:prstGeom>
-          <a:noFill/>
-        </p:spPr>
-        <p:txBody>
-          <a:bodyPr wrap="square" rtlCol="0">
-            <a:spAutoFit/>
-          </a:bodyPr>
-          <a:lstStyle/>
-          <a:p>
-            <a:r>
-              <a:rPr lang="en-US" dirty="0" smtClean="0"/>
-              <a:t>On Save</a:t>
-            </a:r>
-          </a:p>
-        </p:txBody>
-      </p:sp>
-      <p:cxnSp>
-        <p:nvCxnSpPr>
-          <p:cNvPr id="32" name="Straight Arrow Connector 31"/>
-          <p:cNvCxnSpPr>
-            <a:stCxn id="30" idx="4"/>
-            <a:endCxn id="33" idx="0"/>
-          </p:cNvCxnSpPr>
-          <p:nvPr/>
-        </p:nvCxnSpPr>
-        <p:spPr>
-          <a:xfrm>
-            <a:off x="5355719" y="3909141"/>
-            <a:ext cx="0" cy="1002856"/>
-          </a:xfrm>
-          <a:prstGeom prst="straightConnector1">
-            <a:avLst/>
-          </a:prstGeom>
-          <a:ln>
-            <a:tailEnd type="arrow"/>
-          </a:ln>
-        </p:spPr>
-        <p:style>
-          <a:lnRef idx="1">
-            <a:schemeClr val="accent1"/>
-          </a:lnRef>
-          <a:fillRef idx="0">
-            <a:schemeClr val="accent1"/>
-          </a:fillRef>
-          <a:effectRef idx="0">
-            <a:schemeClr val="accent1"/>
-          </a:effectRef>
-          <a:fontRef idx="minor">
-            <a:schemeClr val="tx1"/>
-          </a:fontRef>
-        </p:style>
-      </p:cxnSp>
-      <p:sp>
-        <p:nvSpPr>
-          <p:cNvPr id="33" name="Oval 32"/>
-          <p:cNvSpPr/>
-          <p:nvPr/>
-        </p:nvSpPr>
-        <p:spPr>
-          <a:xfrm>
-            <a:off x="4877549" y="4911997"/>
-            <a:ext cx="956339" cy="689873"/>
-          </a:xfrm>
-          <a:prstGeom prst="ellipse">
-            <a:avLst/>
-          </a:prstGeom>
-        </p:spPr>
-        <p:style>
-          <a:lnRef idx="2">
-            <a:schemeClr val="accent1">
-              <a:shade val="50000"/>
-            </a:schemeClr>
-          </a:lnRef>
-          <a:fillRef idx="1">
-            <a:schemeClr val="accent1"/>
-          </a:fillRef>
-          <a:effectRef idx="0">
-            <a:schemeClr val="accent1"/>
-          </a:effectRef>
-          <a:fontRef idx="minor">
-            <a:schemeClr val="lt1"/>
-          </a:fontRef>
-        </p:style>
-        <p:txBody>
-          <a:bodyPr rtlCol="0" anchor="ctr"/>
-          <a:lstStyle/>
-          <a:p>
-            <a:pPr algn="ctr"/>
-            <a:r>
-              <a:rPr lang="en-US" dirty="0" smtClean="0"/>
-              <a:t>XML file</a:t>
-            </a:r>
-            <a:endParaRPr lang="en-US" dirty="0"/>
-          </a:p>
-        </p:txBody>
-      </p:sp>
-      <p:sp>
-        <p:nvSpPr>
-          <p:cNvPr id="34" name="Oval 33"/>
-          <p:cNvSpPr/>
-          <p:nvPr/>
-        </p:nvSpPr>
-        <p:spPr>
-          <a:xfrm>
-            <a:off x="7617666" y="4955539"/>
-            <a:ext cx="1388409" cy="689873"/>
-          </a:xfrm>
-          <a:prstGeom prst="ellipse">
-            <a:avLst/>
-          </a:prstGeom>
-        </p:spPr>
-        <p:style>
-          <a:lnRef idx="2">
-            <a:schemeClr val="accent1">
-              <a:shade val="50000"/>
-            </a:schemeClr>
-          </a:lnRef>
-          <a:fillRef idx="1">
-            <a:schemeClr val="accent1"/>
-          </a:fillRef>
-          <a:effectRef idx="0">
-            <a:schemeClr val="accent1"/>
-          </a:effectRef>
-          <a:fontRef idx="minor">
-            <a:schemeClr val="lt1"/>
-          </a:fontRef>
-        </p:style>
-        <p:txBody>
-          <a:bodyPr rtlCol="0" anchor="ctr"/>
-          <a:lstStyle/>
-          <a:p>
-            <a:pPr algn="ctr"/>
-            <a:r>
-              <a:rPr lang="en-US" dirty="0" smtClean="0"/>
-              <a:t>Loader</a:t>
-            </a:r>
-            <a:endParaRPr lang="en-US" dirty="0"/>
-          </a:p>
-        </p:txBody>
-      </p:sp>
-      <p:cxnSp>
-        <p:nvCxnSpPr>
-          <p:cNvPr id="35" name="Straight Arrow Connector 34"/>
-          <p:cNvCxnSpPr>
-            <a:stCxn id="33" idx="6"/>
-            <a:endCxn id="34" idx="2"/>
-          </p:cNvCxnSpPr>
-          <p:nvPr/>
-        </p:nvCxnSpPr>
-        <p:spPr>
-          <a:xfrm>
-            <a:off x="5833888" y="5256934"/>
-            <a:ext cx="1783778" cy="43542"/>
-          </a:xfrm>
-          <a:prstGeom prst="straightConnector1">
-            <a:avLst/>
-          </a:prstGeom>
-          <a:ln>
-            <a:tailEnd type="arrow"/>
-          </a:ln>
-        </p:spPr>
-        <p:style>
-          <a:lnRef idx="1">
-            <a:schemeClr val="accent1"/>
-          </a:lnRef>
-          <a:fillRef idx="0">
-            <a:schemeClr val="accent1"/>
-          </a:fillRef>
-          <a:effectRef idx="0">
-            <a:schemeClr val="accent1"/>
-          </a:effectRef>
-          <a:fontRef idx="minor">
-            <a:schemeClr val="tx1"/>
-          </a:fontRef>
-        </p:style>
-      </p:cxnSp>
-      <p:cxnSp>
-        <p:nvCxnSpPr>
-          <p:cNvPr id="36" name="Straight Arrow Connector 35"/>
-          <p:cNvCxnSpPr>
-            <a:stCxn id="34" idx="0"/>
-            <a:endCxn id="37" idx="4"/>
-          </p:cNvCxnSpPr>
-          <p:nvPr/>
-        </p:nvCxnSpPr>
-        <p:spPr>
-          <a:xfrm flipV="1">
-            <a:off x="8311871" y="3909141"/>
-            <a:ext cx="2784" cy="1046398"/>
-          </a:xfrm>
-          <a:prstGeom prst="straightConnector1">
-            <a:avLst/>
-          </a:prstGeom>
-          <a:ln>
-            <a:tailEnd type="arrow"/>
-          </a:ln>
-        </p:spPr>
-        <p:style>
-          <a:lnRef idx="1">
-            <a:schemeClr val="accent1"/>
-          </a:lnRef>
-          <a:fillRef idx="0">
-            <a:schemeClr val="accent1"/>
-          </a:fillRef>
-          <a:effectRef idx="0">
-            <a:schemeClr val="accent1"/>
-          </a:effectRef>
-          <a:fontRef idx="minor">
-            <a:schemeClr val="tx1"/>
-          </a:fontRef>
-        </p:style>
-      </p:cxnSp>
-      <p:sp>
-        <p:nvSpPr>
-          <p:cNvPr id="37" name="Oval 36"/>
-          <p:cNvSpPr/>
-          <p:nvPr/>
-        </p:nvSpPr>
-        <p:spPr>
-          <a:xfrm>
-            <a:off x="7755591" y="3219268"/>
-            <a:ext cx="1118128" cy="689873"/>
-          </a:xfrm>
-          <a:prstGeom prst="ellipse">
-            <a:avLst/>
-          </a:prstGeom>
-        </p:spPr>
-        <p:style>
-          <a:lnRef idx="2">
-            <a:schemeClr val="accent1">
-              <a:shade val="50000"/>
-            </a:schemeClr>
-          </a:lnRef>
-          <a:fillRef idx="1">
-            <a:schemeClr val="accent1"/>
-          </a:fillRef>
-          <a:effectRef idx="0">
-            <a:schemeClr val="accent1"/>
-          </a:effectRef>
-          <a:fontRef idx="minor">
-            <a:schemeClr val="lt1"/>
-          </a:fontRef>
-        </p:style>
-        <p:txBody>
-          <a:bodyPr rtlCol="0" anchor="ctr"/>
-          <a:lstStyle/>
-          <a:p>
-            <a:pPr algn="ctr"/>
-            <a:r>
-              <a:rPr lang="en-US" dirty="0" smtClean="0"/>
-              <a:t>Model</a:t>
-            </a:r>
-            <a:endParaRPr lang="en-US" dirty="0"/>
-          </a:p>
-        </p:txBody>
-      </p:sp>
-      <p:sp>
-        <p:nvSpPr>
-          <p:cNvPr id="38" name="TextBox 37"/>
-          <p:cNvSpPr txBox="1"/>
-          <p:nvPr/>
-        </p:nvSpPr>
-        <p:spPr>
-          <a:xfrm>
-            <a:off x="5410316" y="4142263"/>
-            <a:ext cx="1142884" cy="369332"/>
-          </a:xfrm>
-          <a:prstGeom prst="rect">
-            <a:avLst/>
-          </a:prstGeom>
-          <a:noFill/>
-        </p:spPr>
-        <p:txBody>
-          <a:bodyPr wrap="square" rtlCol="0">
-            <a:spAutoFit/>
-          </a:bodyPr>
-          <a:lstStyle/>
-          <a:p>
-            <a:r>
-              <a:rPr lang="en-US" dirty="0" smtClean="0"/>
-              <a:t>Generates</a:t>
-            </a:r>
-            <a:endParaRPr lang="en-US" dirty="0"/>
-          </a:p>
-        </p:txBody>
-      </p:sp>
-      <p:sp>
-        <p:nvSpPr>
-          <p:cNvPr id="39" name="TextBox 38"/>
-          <p:cNvSpPr txBox="1"/>
-          <p:nvPr/>
-        </p:nvSpPr>
-        <p:spPr>
-          <a:xfrm>
-            <a:off x="6196324" y="5380672"/>
-            <a:ext cx="1421342" cy="646331"/>
-          </a:xfrm>
-          <a:prstGeom prst="rect">
-            <a:avLst/>
-          </a:prstGeom>
-          <a:noFill/>
-        </p:spPr>
-        <p:txBody>
-          <a:bodyPr wrap="square" rtlCol="0">
-            <a:spAutoFit/>
-          </a:bodyPr>
-          <a:lstStyle/>
-          <a:p>
-            <a:r>
-              <a:rPr lang="en-US" dirty="0" smtClean="0"/>
-              <a:t>Taken in</a:t>
-            </a:r>
-          </a:p>
-          <a:p>
-            <a:r>
-              <a:rPr lang="en-US" dirty="0" smtClean="0"/>
-              <a:t>By loader</a:t>
-            </a:r>
-            <a:endParaRPr lang="en-US" dirty="0"/>
-          </a:p>
-        </p:txBody>
-      </p:sp>
-      <p:sp>
-        <p:nvSpPr>
-          <p:cNvPr id="40" name="TextBox 39"/>
-          <p:cNvSpPr txBox="1"/>
-          <p:nvPr/>
-        </p:nvSpPr>
-        <p:spPr>
-          <a:xfrm>
-            <a:off x="7165099" y="4019370"/>
-            <a:ext cx="951658" cy="646331"/>
-          </a:xfrm>
-          <a:prstGeom prst="rect">
-            <a:avLst/>
-          </a:prstGeom>
-          <a:noFill/>
-        </p:spPr>
-        <p:txBody>
-          <a:bodyPr wrap="square" rtlCol="0">
-            <a:spAutoFit/>
-          </a:bodyPr>
-          <a:lstStyle/>
-          <a:p>
-            <a:r>
-              <a:rPr lang="en-US" dirty="0" smtClean="0"/>
-              <a:t>Update Model</a:t>
-            </a:r>
-            <a:endParaRPr lang="en-US" dirty="0"/>
-          </a:p>
-        </p:txBody>
-      </p:sp>
-      <p:cxnSp>
-        <p:nvCxnSpPr>
-          <p:cNvPr id="41" name="Straight Arrow Connector 40"/>
-          <p:cNvCxnSpPr>
-            <a:stCxn id="28" idx="2"/>
-            <a:endCxn id="37" idx="0"/>
-          </p:cNvCxnSpPr>
-          <p:nvPr/>
-        </p:nvCxnSpPr>
-        <p:spPr>
-          <a:xfrm>
-            <a:off x="6967201" y="2173894"/>
-            <a:ext cx="1347454" cy="1045374"/>
-          </a:xfrm>
-          <a:prstGeom prst="straightConnector1">
-            <a:avLst/>
-          </a:prstGeom>
-          <a:ln>
-            <a:tailEnd type="arrow"/>
-          </a:ln>
-        </p:spPr>
-        <p:style>
-          <a:lnRef idx="1">
-            <a:schemeClr val="accent1"/>
-          </a:lnRef>
-          <a:fillRef idx="0">
-            <a:schemeClr val="accent1"/>
-          </a:fillRef>
-          <a:effectRef idx="0">
-            <a:schemeClr val="accent1"/>
-          </a:effectRef>
-          <a:fontRef idx="minor">
-            <a:schemeClr val="tx1"/>
-          </a:fontRef>
-        </p:style>
-      </p:cxnSp>
-      <p:sp>
-        <p:nvSpPr>
-          <p:cNvPr id="42" name="TextBox 41"/>
-          <p:cNvSpPr txBox="1"/>
-          <p:nvPr/>
-        </p:nvSpPr>
-        <p:spPr>
-          <a:xfrm>
-            <a:off x="7969093" y="2208926"/>
-            <a:ext cx="685553" cy="646331"/>
-          </a:xfrm>
-          <a:prstGeom prst="rect">
-            <a:avLst/>
-          </a:prstGeom>
-          <a:noFill/>
-        </p:spPr>
-        <p:txBody>
-          <a:bodyPr wrap="square" rtlCol="0">
-            <a:spAutoFit/>
-          </a:bodyPr>
-          <a:lstStyle/>
-          <a:p>
-            <a:r>
-              <a:rPr lang="en-US" dirty="0" smtClean="0"/>
-              <a:t>On Load</a:t>
-            </a:r>
-            <a:endParaRPr lang="en-US" dirty="0"/>
-          </a:p>
-        </p:txBody>
-      </p:sp>
-      <p:sp>
-        <p:nvSpPr>
-          <p:cNvPr id="43" name="TextBox 42"/>
-          <p:cNvSpPr txBox="1"/>
-          <p:nvPr/>
-        </p:nvSpPr>
-        <p:spPr>
-          <a:xfrm>
-            <a:off x="5852509" y="437970"/>
-            <a:ext cx="2116583" cy="523220"/>
-          </a:xfrm>
-          <a:prstGeom prst="rect">
-            <a:avLst/>
-          </a:prstGeom>
-          <a:noFill/>
-        </p:spPr>
-        <p:txBody>
-          <a:bodyPr wrap="square" rtlCol="0">
-            <a:spAutoFit/>
-          </a:bodyPr>
-          <a:lstStyle/>
-          <a:p>
-            <a:r>
-              <a:rPr lang="en-US" sz="2800" u="sng" dirty="0" smtClean="0"/>
-              <a:t>Workflow 2</a:t>
-            </a:r>
-            <a:endParaRPr lang="en-US" sz="2800" u="sng" dirty="0"/>
-          </a:p>
-        </p:txBody>
-      </p:sp>
-      <p:cxnSp>
-        <p:nvCxnSpPr>
-          <p:cNvPr id="65" name="Straight Connector 64"/>
-          <p:cNvCxnSpPr/>
-          <p:nvPr/>
-        </p:nvCxnSpPr>
-        <p:spPr>
-          <a:xfrm>
-            <a:off x="4648200" y="0"/>
-            <a:ext cx="0" cy="6858000"/>
-          </a:xfrm>
-          <a:prstGeom prst="line">
-            <a:avLst/>
-          </a:prstGeom>
-        </p:spPr>
-        <p:style>
-          <a:lnRef idx="1">
-            <a:schemeClr val="accent1"/>
-          </a:lnRef>
-          <a:fillRef idx="0">
-            <a:schemeClr val="accent1"/>
-          </a:fillRef>
-          <a:effectRef idx="0">
-            <a:schemeClr val="accent1"/>
-          </a:effectRef>
-          <a:fontRef idx="minor">
-            <a:schemeClr val="tx1"/>
-          </a:fontRef>
-        </p:style>
-      </p:cxnSp>
-    </p:spTree>
-    <p:extLst>
-      <p:ext uri="{BB962C8B-B14F-4D97-AF65-F5344CB8AC3E}">
-        <p14:creationId xmlns:p14="http://schemas.microsoft.com/office/powerpoint/2010/main" val="3499736450"/>
       </p:ext>
     </p:extLst>
   </p:cSld>
